--- a/slides/04-GreedyIntroChange.pptx
+++ b/slides/04-GreedyIntroChange.pptx
@@ -5,7 +5,7 @@
     <p:sldMasterId id="2147483660" r:id="rId1"/>
   </p:sldMasterIdLst>
   <p:notesMasterIdLst>
-    <p:notesMasterId r:id="rId27"/>
+    <p:notesMasterId r:id="rId28"/>
   </p:notesMasterIdLst>
   <p:sldIdLst>
     <p:sldId id="642" r:id="rId2"/>
@@ -19,20 +19,21 @@
     <p:sldId id="644" r:id="rId10"/>
     <p:sldId id="670" r:id="rId11"/>
     <p:sldId id="669" r:id="rId12"/>
-    <p:sldId id="587" r:id="rId13"/>
-    <p:sldId id="512" r:id="rId14"/>
-    <p:sldId id="514" r:id="rId15"/>
-    <p:sldId id="519" r:id="rId16"/>
+    <p:sldId id="671" r:id="rId13"/>
+    <p:sldId id="587" r:id="rId14"/>
+    <p:sldId id="512" r:id="rId15"/>
+    <p:sldId id="514" r:id="rId16"/>
     <p:sldId id="491" r:id="rId17"/>
     <p:sldId id="666" r:id="rId18"/>
-    <p:sldId id="667" r:id="rId19"/>
-    <p:sldId id="646" r:id="rId20"/>
-    <p:sldId id="492" r:id="rId21"/>
-    <p:sldId id="647" r:id="rId22"/>
-    <p:sldId id="648" r:id="rId23"/>
-    <p:sldId id="649" r:id="rId24"/>
-    <p:sldId id="451" r:id="rId25"/>
-    <p:sldId id="650" r:id="rId26"/>
+    <p:sldId id="672" r:id="rId19"/>
+    <p:sldId id="667" r:id="rId20"/>
+    <p:sldId id="646" r:id="rId21"/>
+    <p:sldId id="492" r:id="rId22"/>
+    <p:sldId id="647" r:id="rId23"/>
+    <p:sldId id="648" r:id="rId24"/>
+    <p:sldId id="649" r:id="rId25"/>
+    <p:sldId id="451" r:id="rId26"/>
+    <p:sldId id="650" r:id="rId27"/>
   </p:sldIdLst>
   <p:sldSz cx="12192000" cy="6858000"/>
   <p:notesSz cx="6858000" cy="9144000"/>
@@ -147,12 +148,13 @@
             <p14:sldId id="644"/>
             <p14:sldId id="670"/>
             <p14:sldId id="669"/>
+            <p14:sldId id="671"/>
             <p14:sldId id="587"/>
             <p14:sldId id="512"/>
             <p14:sldId id="514"/>
-            <p14:sldId id="519"/>
             <p14:sldId id="491"/>
             <p14:sldId id="666"/>
+            <p14:sldId id="672"/>
             <p14:sldId id="667"/>
             <p14:sldId id="646"/>
             <p14:sldId id="492"/>
@@ -265,7 +267,7 @@
           <a:p>
             <a:fld id="{9A9F7FD5-2840-4607-A4CD-0A8A66D9D61D}" type="datetimeFigureOut">
               <a:rPr lang="en-US" smtClean="0"/>
-              <a:t>9/1/22</a:t>
+              <a:t>10/5/22</a:t>
             </a:fld>
             <a:endParaRPr lang="en-US"/>
           </a:p>
@@ -654,7 +656,7 @@
             <a:fld id="{3A6D2E47-C92D-4534-9BB8-6325B253624D}" type="slidenum">
               <a:rPr lang="en-US" smtClean="0"/>
               <a:pPr/>
-              <a:t>13</a:t>
+              <a:t>14</a:t>
             </a:fld>
             <a:endParaRPr lang="en-US"/>
           </a:p>
@@ -978,7 +980,7 @@
           <a:p>
             <a:fld id="{088A2421-D2CD-4522-A1BA-E4F59ED821B7}" type="datetime1">
               <a:rPr lang="en-US" smtClean="0"/>
-              <a:t>9/1/22</a:t>
+              <a:t>10/5/22</a:t>
             </a:fld>
             <a:endParaRPr lang="en-US"/>
           </a:p>
@@ -1253,7 +1255,7 @@
           <a:p>
             <a:fld id="{DA91928D-0C55-4D8D-9D16-4C05754E5356}" type="datetime1">
               <a:rPr lang="en-US" smtClean="0"/>
-              <a:t>9/1/22</a:t>
+              <a:t>10/5/22</a:t>
             </a:fld>
             <a:endParaRPr lang="en-US"/>
           </a:p>
@@ -1508,7 +1510,7 @@
           <a:p>
             <a:fld id="{584CEDDD-253B-4C38-A621-35D8BA950C17}" type="datetime1">
               <a:rPr lang="en-US" smtClean="0"/>
-              <a:t>9/1/22</a:t>
+              <a:t>10/5/22</a:t>
             </a:fld>
             <a:endParaRPr lang="en-US"/>
           </a:p>
@@ -1676,7 +1678,7 @@
           <a:p>
             <a:fld id="{BF0967E4-28CB-45C9-B82C-D6B22AD4F0EB}" type="datetime1">
               <a:rPr lang="en-US" smtClean="0"/>
-              <a:t>9/1/22</a:t>
+              <a:t>10/5/22</a:t>
             </a:fld>
             <a:endParaRPr lang="en-US"/>
           </a:p>
@@ -1854,7 +1856,7 @@
           <a:p>
             <a:fld id="{2454C693-B405-44E1-A127-B7CE8B45C1E1}" type="datetime1">
               <a:rPr lang="en-US" smtClean="0"/>
-              <a:t>9/1/22</a:t>
+              <a:t>10/5/22</a:t>
             </a:fld>
             <a:endParaRPr lang="en-US"/>
           </a:p>
@@ -2106,7 +2108,7 @@
           <a:p>
             <a:fld id="{26B28102-2E91-4DD7-8E8B-98B790A12701}" type="datetime1">
               <a:rPr lang="en-US" smtClean="0"/>
-              <a:t>9/1/22</a:t>
+              <a:t>10/5/22</a:t>
             </a:fld>
             <a:endParaRPr lang="en-US"/>
           </a:p>
@@ -2364,7 +2366,7 @@
           <a:p>
             <a:fld id="{0B5AF985-6D44-417A-9881-D208468CBA07}" type="datetime1">
               <a:rPr lang="en-US" smtClean="0"/>
-              <a:t>9/1/22</a:t>
+              <a:t>10/5/22</a:t>
             </a:fld>
             <a:endParaRPr lang="en-US"/>
           </a:p>
@@ -2621,7 +2623,7 @@
           <a:p>
             <a:fld id="{26B28102-2E91-4DD7-8E8B-98B790A12701}" type="datetime1">
               <a:rPr lang="en-US" smtClean="0"/>
-              <a:t>9/1/22</a:t>
+              <a:t>10/5/22</a:t>
             </a:fld>
             <a:endParaRPr lang="en-US"/>
           </a:p>
@@ -2867,7 +2869,7 @@
           <a:p>
             <a:fld id="{3A604A86-E8D2-4E57-8D6D-61E2D175474B}" type="datetime1">
               <a:rPr lang="en-US" smtClean="0"/>
-              <a:t>9/1/22</a:t>
+              <a:t>10/5/22</a:t>
             </a:fld>
             <a:endParaRPr lang="en-US"/>
           </a:p>
@@ -3230,7 +3232,7 @@
           <a:p>
             <a:fld id="{DC921DF3-1FB0-45DC-97EF-461960E13574}" type="datetime1">
               <a:rPr lang="en-US" smtClean="0"/>
-              <a:t>9/1/22</a:t>
+              <a:t>10/5/22</a:t>
             </a:fld>
             <a:endParaRPr lang="en-US"/>
           </a:p>
@@ -3722,7 +3724,7 @@
           <a:p>
             <a:fld id="{092B088E-2809-46D8-B43F-738015D878CC}" type="datetime1">
               <a:rPr lang="en-US" smtClean="0"/>
-              <a:t>9/1/22</a:t>
+              <a:t>10/5/22</a:t>
             </a:fld>
             <a:endParaRPr lang="en-US"/>
           </a:p>
@@ -3917,7 +3919,7 @@
           <a:p>
             <a:fld id="{8208D42A-BC08-426E-9E11-483BA9D61AF6}" type="datetime1">
               <a:rPr lang="en-US" smtClean="0"/>
-              <a:t>9/1/22</a:t>
+              <a:t>10/5/22</a:t>
             </a:fld>
             <a:endParaRPr lang="en-US"/>
           </a:p>
@@ -4117,7 +4119,7 @@
           <a:p>
             <a:fld id="{26B28102-2E91-4DD7-8E8B-98B790A12701}" type="datetime1">
               <a:rPr lang="en-US" smtClean="0"/>
-              <a:t>9/1/22</a:t>
+              <a:t>10/5/22</a:t>
             </a:fld>
             <a:endParaRPr lang="en-US"/>
           </a:p>
@@ -4213,7 +4215,7 @@
           <a:p>
             <a:fld id="{37D5C786-44E1-4BD5-AD14-75F3EA166B5A}" type="datetime1">
               <a:rPr lang="en-US" smtClean="0"/>
-              <a:t>9/1/22</a:t>
+              <a:t>10/5/22</a:t>
             </a:fld>
             <a:endParaRPr lang="en-US"/>
           </a:p>
@@ -4424,7 +4426,7 @@
           <a:p>
             <a:fld id="{26B28102-2E91-4DD7-8E8B-98B790A12701}" type="datetime1">
               <a:rPr lang="en-US" smtClean="0"/>
-              <a:t>9/1/22</a:t>
+              <a:t>10/5/22</a:t>
             </a:fld>
             <a:endParaRPr lang="en-US"/>
           </a:p>
@@ -5630,6 +5632,508 @@
       </p:grpSpPr>
       <p:sp>
         <p:nvSpPr>
+          <p:cNvPr id="32770" name="Rectangle 2"/>
+          <p:cNvSpPr>
+            <a:spLocks noGrp="1" noChangeArrowheads="1"/>
+          </p:cNvSpPr>
+          <p:nvPr>
+            <p:ph type="title"/>
+            <p:custDataLst>
+              <p:tags r:id="rId1"/>
+            </p:custDataLst>
+          </p:nvPr>
+        </p:nvSpPr>
+        <p:spPr/>
+        <p:txBody>
+          <a:bodyPr/>
+          <a:lstStyle/>
+          <a:p>
+            <a:r>
+              <a:rPr lang="en-US" dirty="0"/>
+              <a:t>Proof</a:t>
+            </a:r>
+          </a:p>
+        </p:txBody>
+      </p:sp>
+      <p:sp>
+        <p:nvSpPr>
+          <p:cNvPr id="4" name="Slide Number Placeholder 3"/>
+          <p:cNvSpPr>
+            <a:spLocks noGrp="1"/>
+          </p:cNvSpPr>
+          <p:nvPr>
+            <p:ph type="sldNum" sz="quarter" idx="12"/>
+          </p:nvPr>
+        </p:nvSpPr>
+        <p:spPr/>
+        <p:txBody>
+          <a:bodyPr/>
+          <a:lstStyle/>
+          <a:p>
+            <a:fld id="{F26D9103-0C5C-48AC-B68E-3ED2C1647047}" type="slidenum">
+              <a:rPr lang="en-US" smtClean="0"/>
+              <a:pPr/>
+              <a:t>12</a:t>
+            </a:fld>
+            <a:endParaRPr lang="en-US"/>
+          </a:p>
+        </p:txBody>
+      </p:sp>
+      <mc:AlternateContent xmlns:mc="http://schemas.openxmlformats.org/markup-compatibility/2006">
+        <mc:Choice xmlns:a14="http://schemas.microsoft.com/office/drawing/2010/main" Requires="a14">
+          <p:sp>
+            <p:nvSpPr>
+              <p:cNvPr id="32771" name="Rectangle 3"/>
+              <p:cNvSpPr>
+                <a:spLocks noGrp="1" noChangeArrowheads="1"/>
+              </p:cNvSpPr>
+              <p:nvPr>
+                <p:ph sz="quarter" idx="1"/>
+                <p:custDataLst>
+                  <p:tags r:id="rId2"/>
+                </p:custDataLst>
+              </p:nvPr>
+            </p:nvSpPr>
+            <p:spPr>
+              <a:xfrm>
+                <a:off x="609600" y="1447801"/>
+                <a:ext cx="10972800" cy="4724399"/>
+              </a:xfrm>
+            </p:spPr>
+            <p:txBody>
+              <a:bodyPr>
+                <a:normAutofit/>
+              </a:bodyPr>
+              <a:lstStyle/>
+              <a:p>
+                <a:pPr marL="0" indent="0">
+                  <a:buNone/>
+                </a:pPr>
+                <a:r>
+                  <a:rPr lang="en-US" dirty="0"/>
+                  <a:t>If </a:t>
+                </a:r>
+                <a14:m>
+                  <m:oMath xmlns:m="http://schemas.openxmlformats.org/officeDocument/2006/math">
+                    <m:r>
+                      <m:rPr>
+                        <m:sty m:val="p"/>
+                      </m:rPr>
+                      <a:rPr lang="en-US" b="0" i="0" smtClean="0">
+                        <a:latin typeface="Cambria Math" panose="02040503050406030204" pitchFamily="18" charset="0"/>
+                      </a:rPr>
+                      <m:t>C</m:t>
+                    </m:r>
+                    <m:r>
+                      <a:rPr lang="en-US" b="0" i="1" smtClean="0">
+                        <a:latin typeface="Cambria Math" panose="02040503050406030204" pitchFamily="18" charset="0"/>
+                      </a:rPr>
+                      <m:t>=</m:t>
+                    </m:r>
+                    <m:d>
+                      <m:dPr>
+                        <m:begChr m:val="{"/>
+                        <m:endChr m:val="}"/>
+                        <m:ctrlPr>
+                          <a:rPr lang="en-US" b="0" i="1" smtClean="0">
+                            <a:latin typeface="Cambria Math" panose="02040503050406030204" pitchFamily="18" charset="0"/>
+                          </a:rPr>
+                        </m:ctrlPr>
+                      </m:dPr>
+                      <m:e>
+                        <m:sSub>
+                          <m:sSubPr>
+                            <m:ctrlPr>
+                              <a:rPr lang="en-US" b="0" i="1" smtClean="0">
+                                <a:latin typeface="Cambria Math" panose="02040503050406030204" pitchFamily="18" charset="0"/>
+                              </a:rPr>
+                            </m:ctrlPr>
+                          </m:sSubPr>
+                          <m:e>
+                            <m:r>
+                              <a:rPr lang="en-US" b="0" i="1" smtClean="0">
+                                <a:latin typeface="Cambria Math" panose="02040503050406030204" pitchFamily="18" charset="0"/>
+                              </a:rPr>
+                              <m:t>𝑐</m:t>
+                            </m:r>
+                          </m:e>
+                          <m:sub>
+                            <m:r>
+                              <a:rPr lang="en-US" b="0" i="1" smtClean="0">
+                                <a:latin typeface="Cambria Math" panose="02040503050406030204" pitchFamily="18" charset="0"/>
+                              </a:rPr>
+                              <m:t>1</m:t>
+                            </m:r>
+                          </m:sub>
+                        </m:sSub>
+                        <m:r>
+                          <a:rPr lang="en-US" b="0" i="1" smtClean="0">
+                            <a:latin typeface="Cambria Math" panose="02040503050406030204" pitchFamily="18" charset="0"/>
+                          </a:rPr>
+                          <m:t>,</m:t>
+                        </m:r>
+                        <m:sSub>
+                          <m:sSubPr>
+                            <m:ctrlPr>
+                              <a:rPr lang="en-US" b="0" i="1" smtClean="0">
+                                <a:latin typeface="Cambria Math" panose="02040503050406030204" pitchFamily="18" charset="0"/>
+                              </a:rPr>
+                            </m:ctrlPr>
+                          </m:sSubPr>
+                          <m:e>
+                            <m:r>
+                              <a:rPr lang="en-US" b="0" i="1" smtClean="0">
+                                <a:latin typeface="Cambria Math" panose="02040503050406030204" pitchFamily="18" charset="0"/>
+                              </a:rPr>
+                              <m:t>𝑐</m:t>
+                            </m:r>
+                          </m:e>
+                          <m:sub>
+                            <m:r>
+                              <a:rPr lang="en-US" b="0" i="1" smtClean="0">
+                                <a:latin typeface="Cambria Math" panose="02040503050406030204" pitchFamily="18" charset="0"/>
+                              </a:rPr>
+                              <m:t>2</m:t>
+                            </m:r>
+                          </m:sub>
+                        </m:sSub>
+                        <m:r>
+                          <a:rPr lang="en-US" b="0" i="1" smtClean="0">
+                            <a:latin typeface="Cambria Math" panose="02040503050406030204" pitchFamily="18" charset="0"/>
+                          </a:rPr>
+                          <m:t>,…,</m:t>
+                        </m:r>
+                        <m:sSub>
+                          <m:sSubPr>
+                            <m:ctrlPr>
+                              <a:rPr lang="en-US" b="0" i="1" smtClean="0">
+                                <a:latin typeface="Cambria Math" panose="02040503050406030204" pitchFamily="18" charset="0"/>
+                              </a:rPr>
+                            </m:ctrlPr>
+                          </m:sSubPr>
+                          <m:e>
+                            <m:r>
+                              <a:rPr lang="en-US" b="0" i="1" smtClean="0">
+                                <a:latin typeface="Cambria Math" panose="02040503050406030204" pitchFamily="18" charset="0"/>
+                              </a:rPr>
+                              <m:t>𝑐</m:t>
+                            </m:r>
+                          </m:e>
+                          <m:sub>
+                            <m:r>
+                              <a:rPr lang="en-US" b="0" i="1" smtClean="0">
+                                <a:latin typeface="Cambria Math" panose="02040503050406030204" pitchFamily="18" charset="0"/>
+                              </a:rPr>
+                              <m:t>𝑛</m:t>
+                            </m:r>
+                          </m:sub>
+                        </m:sSub>
+                      </m:e>
+                    </m:d>
+                    <m:r>
+                      <a:rPr lang="en-US" b="0" i="1" smtClean="0">
+                        <a:latin typeface="Cambria Math" panose="02040503050406030204" pitchFamily="18" charset="0"/>
+                      </a:rPr>
+                      <m:t> </m:t>
+                    </m:r>
+                  </m:oMath>
+                </a14:m>
+                <a:r>
+                  <a:rPr lang="en-US" dirty="0"/>
+                  <a:t>is the optimal set of coins to make </a:t>
+                </a:r>
+                <a:r>
+                  <a:rPr lang="en-US" i="1" dirty="0"/>
+                  <a:t>A</a:t>
+                </a:r>
+                <a:r>
+                  <a:rPr lang="en-US" dirty="0"/>
+                  <a:t> cents of change:</a:t>
+                </a:r>
+              </a:p>
+              <a:p>
+                <a:pPr marL="0" indent="0">
+                  <a:buNone/>
+                </a:pPr>
+                <a:br>
+                  <a:rPr lang="en-US" dirty="0"/>
+                </a:br>
+                <a:r>
+                  <a:rPr lang="en-US" dirty="0"/>
+                  <a:t>Then </a:t>
+                </a:r>
+                <a14:m>
+                  <m:oMath xmlns:m="http://schemas.openxmlformats.org/officeDocument/2006/math">
+                    <m:sSup>
+                      <m:sSupPr>
+                        <m:ctrlPr>
+                          <a:rPr lang="en-US" b="0" i="1" smtClean="0">
+                            <a:latin typeface="Cambria Math" panose="02040503050406030204" pitchFamily="18" charset="0"/>
+                          </a:rPr>
+                        </m:ctrlPr>
+                      </m:sSupPr>
+                      <m:e>
+                        <m:r>
+                          <a:rPr lang="en-US" b="0" i="1" smtClean="0">
+                            <a:latin typeface="Cambria Math" panose="02040503050406030204" pitchFamily="18" charset="0"/>
+                          </a:rPr>
+                          <m:t>𝐶</m:t>
+                        </m:r>
+                      </m:e>
+                      <m:sup>
+                        <m:r>
+                          <a:rPr lang="en-US" b="0" i="1" smtClean="0">
+                            <a:latin typeface="Cambria Math" panose="02040503050406030204" pitchFamily="18" charset="0"/>
+                          </a:rPr>
+                          <m:t>′</m:t>
+                        </m:r>
+                      </m:sup>
+                    </m:sSup>
+                    <m:r>
+                      <a:rPr lang="en-US" b="0" i="1" smtClean="0">
+                        <a:latin typeface="Cambria Math" panose="02040503050406030204" pitchFamily="18" charset="0"/>
+                      </a:rPr>
+                      <m:t>={</m:t>
+                    </m:r>
+                    <m:sSub>
+                      <m:sSubPr>
+                        <m:ctrlPr>
+                          <a:rPr lang="en-US" b="0" i="1" smtClean="0">
+                            <a:latin typeface="Cambria Math" panose="02040503050406030204" pitchFamily="18" charset="0"/>
+                          </a:rPr>
+                        </m:ctrlPr>
+                      </m:sSubPr>
+                      <m:e>
+                        <m:r>
+                          <a:rPr lang="en-US" b="0" i="1" smtClean="0">
+                            <a:latin typeface="Cambria Math" panose="02040503050406030204" pitchFamily="18" charset="0"/>
+                          </a:rPr>
+                          <m:t>𝑐</m:t>
+                        </m:r>
+                      </m:e>
+                      <m:sub>
+                        <m:r>
+                          <a:rPr lang="en-US" b="0" i="1" smtClean="0">
+                            <a:latin typeface="Cambria Math" panose="02040503050406030204" pitchFamily="18" charset="0"/>
+                          </a:rPr>
+                          <m:t>2</m:t>
+                        </m:r>
+                      </m:sub>
+                    </m:sSub>
+                    <m:r>
+                      <a:rPr lang="en-US" b="0" i="1" smtClean="0">
+                        <a:latin typeface="Cambria Math" panose="02040503050406030204" pitchFamily="18" charset="0"/>
+                      </a:rPr>
+                      <m:t>,</m:t>
+                    </m:r>
+                    <m:sSub>
+                      <m:sSubPr>
+                        <m:ctrlPr>
+                          <a:rPr lang="en-US" b="0" i="1" smtClean="0">
+                            <a:latin typeface="Cambria Math" panose="02040503050406030204" pitchFamily="18" charset="0"/>
+                          </a:rPr>
+                        </m:ctrlPr>
+                      </m:sSubPr>
+                      <m:e>
+                        <m:r>
+                          <a:rPr lang="en-US" b="0" i="1" smtClean="0">
+                            <a:latin typeface="Cambria Math" panose="02040503050406030204" pitchFamily="18" charset="0"/>
+                          </a:rPr>
+                          <m:t>𝑐</m:t>
+                        </m:r>
+                      </m:e>
+                      <m:sub>
+                        <m:r>
+                          <a:rPr lang="en-US" b="0" i="1" smtClean="0">
+                            <a:latin typeface="Cambria Math" panose="02040503050406030204" pitchFamily="18" charset="0"/>
+                          </a:rPr>
+                          <m:t>3</m:t>
+                        </m:r>
+                      </m:sub>
+                    </m:sSub>
+                    <m:r>
+                      <a:rPr lang="en-US" b="0" i="1" smtClean="0">
+                        <a:latin typeface="Cambria Math" panose="02040503050406030204" pitchFamily="18" charset="0"/>
+                      </a:rPr>
+                      <m:t>,…,</m:t>
+                    </m:r>
+                    <m:sSub>
+                      <m:sSubPr>
+                        <m:ctrlPr>
+                          <a:rPr lang="en-US" b="0" i="1" smtClean="0">
+                            <a:latin typeface="Cambria Math" panose="02040503050406030204" pitchFamily="18" charset="0"/>
+                          </a:rPr>
+                        </m:ctrlPr>
+                      </m:sSubPr>
+                      <m:e>
+                        <m:r>
+                          <a:rPr lang="en-US" b="0" i="1" smtClean="0">
+                            <a:latin typeface="Cambria Math" panose="02040503050406030204" pitchFamily="18" charset="0"/>
+                          </a:rPr>
+                          <m:t>𝑐</m:t>
+                        </m:r>
+                      </m:e>
+                      <m:sub>
+                        <m:r>
+                          <a:rPr lang="en-US" b="0" i="1" smtClean="0">
+                            <a:latin typeface="Cambria Math" panose="02040503050406030204" pitchFamily="18" charset="0"/>
+                          </a:rPr>
+                          <m:t>𝑛</m:t>
+                        </m:r>
+                      </m:sub>
+                    </m:sSub>
+                    <m:r>
+                      <a:rPr lang="en-US" b="0" i="1" smtClean="0">
+                        <a:latin typeface="Cambria Math" panose="02040503050406030204" pitchFamily="18" charset="0"/>
+                      </a:rPr>
+                      <m:t>}</m:t>
+                    </m:r>
+                  </m:oMath>
+                </a14:m>
+                <a:r>
+                  <a:rPr lang="en-US" dirty="0"/>
+                  <a:t> is the optimal set of coins to make </a:t>
+                </a:r>
+                <a14:m>
+                  <m:oMath xmlns:m="http://schemas.openxmlformats.org/officeDocument/2006/math">
+                    <m:r>
+                      <a:rPr lang="en-US" b="0" i="1" smtClean="0">
+                        <a:latin typeface="Cambria Math" panose="02040503050406030204" pitchFamily="18" charset="0"/>
+                      </a:rPr>
+                      <m:t>𝐴</m:t>
+                    </m:r>
+                    <m:r>
+                      <a:rPr lang="en-US" b="0" i="1" smtClean="0">
+                        <a:latin typeface="Cambria Math" panose="02040503050406030204" pitchFamily="18" charset="0"/>
+                      </a:rPr>
+                      <m:t>−</m:t>
+                    </m:r>
+                    <m:sSub>
+                      <m:sSubPr>
+                        <m:ctrlPr>
+                          <a:rPr lang="en-US" b="0" i="1" smtClean="0">
+                            <a:latin typeface="Cambria Math" panose="02040503050406030204" pitchFamily="18" charset="0"/>
+                          </a:rPr>
+                        </m:ctrlPr>
+                      </m:sSubPr>
+                      <m:e>
+                        <m:r>
+                          <a:rPr lang="en-US" b="0" i="1" smtClean="0">
+                            <a:latin typeface="Cambria Math" panose="02040503050406030204" pitchFamily="18" charset="0"/>
+                          </a:rPr>
+                          <m:t>𝑐</m:t>
+                        </m:r>
+                      </m:e>
+                      <m:sub>
+                        <m:r>
+                          <a:rPr lang="en-US" b="0" i="1" smtClean="0">
+                            <a:latin typeface="Cambria Math" panose="02040503050406030204" pitchFamily="18" charset="0"/>
+                          </a:rPr>
+                          <m:t>1</m:t>
+                        </m:r>
+                      </m:sub>
+                    </m:sSub>
+                  </m:oMath>
+                </a14:m>
+                <a:r>
+                  <a:rPr lang="en-US" dirty="0"/>
+                  <a:t> cents of change.</a:t>
+                </a:r>
+              </a:p>
+              <a:p>
+                <a:pPr marL="0" indent="0">
+                  <a:buNone/>
+                </a:pPr>
+                <a:endParaRPr lang="en-US" dirty="0"/>
+              </a:p>
+              <a:p>
+                <a:pPr marL="0" indent="0">
+                  <a:buNone/>
+                </a:pPr>
+                <a:r>
+                  <a:rPr lang="en-US" dirty="0"/>
+                  <a:t>Let’s prove it on the board --&gt;</a:t>
+                </a:r>
+              </a:p>
+              <a:p>
+                <a:endParaRPr lang="en-US" dirty="0"/>
+              </a:p>
+            </p:txBody>
+          </p:sp>
+        </mc:Choice>
+        <mc:Fallback>
+          <p:sp>
+            <p:nvSpPr>
+              <p:cNvPr id="32771" name="Rectangle 3"/>
+              <p:cNvSpPr>
+                <a:spLocks noGrp="1" noRot="1" noChangeAspect="1" noMove="1" noResize="1" noEditPoints="1" noAdjustHandles="1" noChangeArrowheads="1" noChangeShapeType="1" noTextEdit="1"/>
+              </p:cNvSpPr>
+              <p:nvPr>
+                <p:ph sz="quarter" idx="1"/>
+                <p:custDataLst>
+                  <p:tags r:id="rId2"/>
+                </p:custDataLst>
+              </p:nvPr>
+            </p:nvSpPr>
+            <p:spPr>
+              <a:xfrm>
+                <a:off x="609600" y="1447801"/>
+                <a:ext cx="10972800" cy="4724399"/>
+              </a:xfrm>
+              <a:blipFill>
+                <a:blip r:embed="rId4"/>
+                <a:stretch>
+                  <a:fillRect l="-1389" r="-2199"/>
+                </a:stretch>
+              </a:blipFill>
+            </p:spPr>
+            <p:txBody>
+              <a:bodyPr/>
+              <a:lstStyle/>
+              <a:p>
+                <a:r>
+                  <a:rPr lang="en-US">
+                    <a:noFill/>
+                  </a:rPr>
+                  <a:t> </a:t>
+                </a:r>
+              </a:p>
+            </p:txBody>
+          </p:sp>
+        </mc:Fallback>
+      </mc:AlternateContent>
+    </p:spTree>
+    <p:extLst>
+      <p:ext uri="{BB962C8B-B14F-4D97-AF65-F5344CB8AC3E}">
+        <p14:creationId xmlns:p14="http://schemas.microsoft.com/office/powerpoint/2010/main" val="3238019746"/>
+      </p:ext>
+    </p:extLst>
+  </p:cSld>
+  <p:clrMapOvr>
+    <a:masterClrMapping/>
+  </p:clrMapOvr>
+</p:sld>
+</file>
+
+<file path=ppt/slides/slide13.xml><?xml version="1.0" encoding="utf-8"?>
+<p:sld xmlns:a="http://schemas.openxmlformats.org/drawingml/2006/main" xmlns:r="http://schemas.openxmlformats.org/officeDocument/2006/relationships" xmlns:p="http://schemas.openxmlformats.org/presentationml/2006/main">
+  <p:cSld>
+    <p:spTree>
+      <p:nvGrpSpPr>
+        <p:cNvPr id="1" name=""/>
+        <p:cNvGrpSpPr/>
+        <p:nvPr/>
+      </p:nvGrpSpPr>
+      <p:grpSpPr>
+        <a:xfrm>
+          <a:off x="0" y="0"/>
+          <a:ext cx="0" cy="0"/>
+          <a:chOff x="0" y="0"/>
+          <a:chExt cx="0" cy="0"/>
+        </a:xfrm>
+      </p:grpSpPr>
+      <p:sp>
+        <p:nvSpPr>
           <p:cNvPr id="2" name="Title 1">
             <a:extLst>
               <a:ext uri="{FF2B5EF4-FFF2-40B4-BE49-F238E27FC236}">
@@ -5838,7 +6342,7 @@
           <a:p>
             <a:fld id="{86BADE50-950A-4D58-BFB2-FA2C6A8B385D}" type="slidenum">
               <a:rPr lang="en-US" smtClean="0"/>
-              <a:t>12</a:t>
+              <a:t>13</a:t>
             </a:fld>
             <a:endParaRPr lang="en-US"/>
           </a:p>
@@ -5857,7 +6361,7 @@
 </p:sld>
 </file>
 
-<file path=ppt/slides/slide13.xml><?xml version="1.0" encoding="utf-8"?>
+<file path=ppt/slides/slide14.xml><?xml version="1.0" encoding="utf-8"?>
 <p:sld xmlns:a="http://schemas.openxmlformats.org/drawingml/2006/main" xmlns:r="http://schemas.openxmlformats.org/officeDocument/2006/relationships" xmlns:p="http://schemas.openxmlformats.org/presentationml/2006/main" showMasterPhAnim="0">
   <p:cSld>
     <p:spTree>
@@ -5917,7 +6421,7 @@
             <a:fld id="{F26D9103-0C5C-48AC-B68E-3ED2C1647047}" type="slidenum">
               <a:rPr lang="en-US" smtClean="0"/>
               <a:pPr/>
-              <a:t>13</a:t>
+              <a:t>14</a:t>
             </a:fld>
             <a:endParaRPr lang="en-US"/>
           </a:p>
@@ -6015,7 +6519,7 @@
 </p:sld>
 </file>
 
-<file path=ppt/slides/slide14.xml><?xml version="1.0" encoding="utf-8"?>
+<file path=ppt/slides/slide15.xml><?xml version="1.0" encoding="utf-8"?>
 <p:sld xmlns:a="http://schemas.openxmlformats.org/drawingml/2006/main" xmlns:r="http://schemas.openxmlformats.org/officeDocument/2006/relationships" xmlns:p="http://schemas.openxmlformats.org/presentationml/2006/main">
   <p:cSld>
     <p:spTree>
@@ -6072,7 +6576,7 @@
             <a:fld id="{F26D9103-0C5C-48AC-B68E-3ED2C1647047}" type="slidenum">
               <a:rPr lang="en-US" smtClean="0"/>
               <a:pPr/>
-              <a:t>14</a:t>
+              <a:t>15</a:t>
             </a:fld>
             <a:endParaRPr lang="en-US"/>
           </a:p>
@@ -6329,473 +6833,6 @@
 </p:sld>
 </file>
 
-<file path=ppt/slides/slide15.xml><?xml version="1.0" encoding="utf-8"?>
-<p:sld xmlns:a="http://schemas.openxmlformats.org/drawingml/2006/main" xmlns:r="http://schemas.openxmlformats.org/officeDocument/2006/relationships" xmlns:p="http://schemas.openxmlformats.org/presentationml/2006/main">
-  <p:cSld>
-    <p:spTree>
-      <p:nvGrpSpPr>
-        <p:cNvPr id="1" name=""/>
-        <p:cNvGrpSpPr/>
-        <p:nvPr/>
-      </p:nvGrpSpPr>
-      <p:grpSpPr>
-        <a:xfrm>
-          <a:off x="0" y="0"/>
-          <a:ext cx="0" cy="0"/>
-          <a:chOff x="0" y="0"/>
-          <a:chExt cx="0" cy="0"/>
-        </a:xfrm>
-      </p:grpSpPr>
-      <p:sp>
-        <p:nvSpPr>
-          <p:cNvPr id="40962" name="Rectangle 2"/>
-          <p:cNvSpPr>
-            <a:spLocks noGrp="1" noChangeArrowheads="1"/>
-          </p:cNvSpPr>
-          <p:nvPr>
-            <p:ph type="title"/>
-            <p:custDataLst>
-              <p:tags r:id="rId1"/>
-            </p:custDataLst>
-          </p:nvPr>
-        </p:nvSpPr>
-        <p:spPr/>
-        <p:txBody>
-          <a:bodyPr/>
-          <a:lstStyle/>
-          <a:p>
-            <a:r>
-              <a:rPr lang="en-US"/>
-              <a:t>Another Change Algorithm</a:t>
-            </a:r>
-          </a:p>
-        </p:txBody>
-      </p:sp>
-      <p:sp>
-        <p:nvSpPr>
-          <p:cNvPr id="4" name="Slide Number Placeholder 3"/>
-          <p:cNvSpPr>
-            <a:spLocks noGrp="1"/>
-          </p:cNvSpPr>
-          <p:nvPr>
-            <p:ph type="sldNum" sz="quarter" idx="12"/>
-          </p:nvPr>
-        </p:nvSpPr>
-        <p:spPr/>
-        <p:txBody>
-          <a:bodyPr/>
-          <a:lstStyle/>
-          <a:p>
-            <a:fld id="{F26D9103-0C5C-48AC-B68E-3ED2C1647047}" type="slidenum">
-              <a:rPr lang="en-US" smtClean="0"/>
-              <a:pPr/>
-              <a:t>15</a:t>
-            </a:fld>
-            <a:endParaRPr lang="en-US"/>
-          </a:p>
-        </p:txBody>
-      </p:sp>
-      <p:sp>
-        <p:nvSpPr>
-          <p:cNvPr id="315395" name="Rectangle 3"/>
-          <p:cNvSpPr>
-            <a:spLocks noGrp="1" noChangeArrowheads="1"/>
-          </p:cNvSpPr>
-          <p:nvPr>
-            <p:ph sz="quarter" idx="1"/>
-            <p:custDataLst>
-              <p:tags r:id="rId2"/>
-            </p:custDataLst>
-          </p:nvPr>
-        </p:nvSpPr>
-        <p:spPr/>
-        <p:txBody>
-          <a:bodyPr>
-            <a:normAutofit fontScale="85000" lnSpcReduction="10000"/>
-          </a:bodyPr>
-          <a:lstStyle/>
-          <a:p>
-            <a:r>
-              <a:rPr lang="en-US" dirty="0"/>
-              <a:t>Give me another way to do this?</a:t>
-            </a:r>
-          </a:p>
-          <a:p>
-            <a:endParaRPr lang="en-US" dirty="0"/>
-          </a:p>
-          <a:p>
-            <a:r>
-              <a:rPr lang="en-US" dirty="0"/>
-              <a:t>Brute force:</a:t>
-            </a:r>
-          </a:p>
-          <a:p>
-            <a:pPr lvl="1"/>
-            <a:r>
-              <a:rPr lang="en-US" dirty="0"/>
-              <a:t>Generate all possible combinations of coins that add up to the required amount</a:t>
-            </a:r>
-          </a:p>
-          <a:p>
-            <a:pPr lvl="1"/>
-            <a:r>
-              <a:rPr lang="en-US" dirty="0"/>
-              <a:t>From these, choose the one with smallest number</a:t>
-            </a:r>
-          </a:p>
-          <a:p>
-            <a:r>
-              <a:rPr lang="en-US" dirty="0"/>
-              <a:t>What would you say about this approach?</a:t>
-            </a:r>
-          </a:p>
-          <a:p>
-            <a:endParaRPr lang="en-US" dirty="0"/>
-          </a:p>
-          <a:p>
-            <a:r>
-              <a:rPr lang="en-US" dirty="0"/>
-              <a:t>There are other ways to solve this problem</a:t>
-            </a:r>
-          </a:p>
-          <a:p>
-            <a:pPr lvl="1"/>
-            <a:r>
-              <a:rPr lang="en-US" i="1" dirty="0"/>
-              <a:t>Dynamic programming</a:t>
-            </a:r>
-            <a:r>
-              <a:rPr lang="en-US" dirty="0"/>
-              <a:t>: build a table of solutions to small </a:t>
-            </a:r>
-            <a:r>
-              <a:rPr lang="en-US" dirty="0" err="1"/>
-              <a:t>subproblems</a:t>
-            </a:r>
-            <a:r>
-              <a:rPr lang="en-US" dirty="0"/>
-              <a:t>, work your way up</a:t>
-            </a:r>
-          </a:p>
-        </p:txBody>
-      </p:sp>
-    </p:spTree>
-    <p:extLst>
-      <p:ext uri="{BB962C8B-B14F-4D97-AF65-F5344CB8AC3E}">
-        <p14:creationId xmlns:p14="http://schemas.microsoft.com/office/powerpoint/2010/main" val="1386731788"/>
-      </p:ext>
-    </p:extLst>
-  </p:cSld>
-  <p:clrMapOvr>
-    <a:masterClrMapping/>
-  </p:clrMapOvr>
-  <p:timing>
-    <p:tnLst>
-      <p:par>
-        <p:cTn id="1" dur="indefinite" restart="never" nodeType="tmRoot">
-          <p:childTnLst>
-            <p:seq concurrent="1" nextAc="seek">
-              <p:cTn id="2" dur="indefinite" nodeType="mainSeq">
-                <p:childTnLst>
-                  <p:par>
-                    <p:cTn id="3" fill="hold">
-                      <p:stCondLst>
-                        <p:cond delay="indefinite"/>
-                        <p:cond evt="onBegin" delay="0">
-                          <p:tn val="2"/>
-                        </p:cond>
-                      </p:stCondLst>
-                      <p:childTnLst>
-                        <p:par>
-                          <p:cTn id="4" fill="hold">
-                            <p:stCondLst>
-                              <p:cond delay="0"/>
-                            </p:stCondLst>
-                            <p:childTnLst>
-                              <p:par>
-                                <p:cTn id="5" presetID="1" presetClass="entr" presetSubtype="0" fill="hold" nodeType="withEffect">
-                                  <p:stCondLst>
-                                    <p:cond delay="0"/>
-                                  </p:stCondLst>
-                                  <p:childTnLst>
-                                    <p:set>
-                                      <p:cBhvr>
-                                        <p:cTn id="6" dur="1" fill="hold">
-                                          <p:stCondLst>
-                                            <p:cond delay="0"/>
-                                          </p:stCondLst>
-                                        </p:cTn>
-                                        <p:tgtEl>
-                                          <p:spTgt spid="315395">
-                                            <p:txEl>
-                                              <p:pRg st="0" end="0"/>
-                                            </p:txEl>
-                                          </p:spTgt>
-                                        </p:tgtEl>
-                                        <p:attrNameLst>
-                                          <p:attrName>style.visibility</p:attrName>
-                                        </p:attrNameLst>
-                                      </p:cBhvr>
-                                      <p:to>
-                                        <p:strVal val="visible"/>
-                                      </p:to>
-                                    </p:set>
-                                  </p:childTnLst>
-                                </p:cTn>
-                              </p:par>
-                            </p:childTnLst>
-                          </p:cTn>
-                        </p:par>
-                      </p:childTnLst>
-                    </p:cTn>
-                  </p:par>
-                  <p:par>
-                    <p:cTn id="7" fill="hold">
-                      <p:stCondLst>
-                        <p:cond delay="indefinite"/>
-                      </p:stCondLst>
-                      <p:childTnLst>
-                        <p:par>
-                          <p:cTn id="8" fill="hold">
-                            <p:stCondLst>
-                              <p:cond delay="0"/>
-                            </p:stCondLst>
-                            <p:childTnLst>
-                              <p:par>
-                                <p:cTn id="9" presetID="1" presetClass="entr" presetSubtype="0" fill="hold" nodeType="clickEffect">
-                                  <p:stCondLst>
-                                    <p:cond delay="0"/>
-                                  </p:stCondLst>
-                                  <p:childTnLst>
-                                    <p:set>
-                                      <p:cBhvr>
-                                        <p:cTn id="10" dur="1" fill="hold">
-                                          <p:stCondLst>
-                                            <p:cond delay="0"/>
-                                          </p:stCondLst>
-                                        </p:cTn>
-                                        <p:tgtEl>
-                                          <p:spTgt spid="315395">
-                                            <p:txEl>
-                                              <p:pRg st="2" end="2"/>
-                                            </p:txEl>
-                                          </p:spTgt>
-                                        </p:tgtEl>
-                                        <p:attrNameLst>
-                                          <p:attrName>style.visibility</p:attrName>
-                                        </p:attrNameLst>
-                                      </p:cBhvr>
-                                      <p:to>
-                                        <p:strVal val="visible"/>
-                                      </p:to>
-                                    </p:set>
-                                  </p:childTnLst>
-                                </p:cTn>
-                              </p:par>
-                              <p:par>
-                                <p:cTn id="11" presetID="1" presetClass="entr" presetSubtype="0" fill="hold" nodeType="withEffect">
-                                  <p:stCondLst>
-                                    <p:cond delay="0"/>
-                                  </p:stCondLst>
-                                  <p:childTnLst>
-                                    <p:set>
-                                      <p:cBhvr>
-                                        <p:cTn id="12" dur="1" fill="hold">
-                                          <p:stCondLst>
-                                            <p:cond delay="0"/>
-                                          </p:stCondLst>
-                                        </p:cTn>
-                                        <p:tgtEl>
-                                          <p:spTgt spid="315395">
-                                            <p:txEl>
-                                              <p:pRg st="3" end="3"/>
-                                            </p:txEl>
-                                          </p:spTgt>
-                                        </p:tgtEl>
-                                        <p:attrNameLst>
-                                          <p:attrName>style.visibility</p:attrName>
-                                        </p:attrNameLst>
-                                      </p:cBhvr>
-                                      <p:to>
-                                        <p:strVal val="visible"/>
-                                      </p:to>
-                                    </p:set>
-                                  </p:childTnLst>
-                                </p:cTn>
-                              </p:par>
-                              <p:par>
-                                <p:cTn id="13" presetID="1" presetClass="entr" presetSubtype="0" fill="hold" nodeType="withEffect">
-                                  <p:stCondLst>
-                                    <p:cond delay="0"/>
-                                  </p:stCondLst>
-                                  <p:childTnLst>
-                                    <p:set>
-                                      <p:cBhvr>
-                                        <p:cTn id="14" dur="1" fill="hold">
-                                          <p:stCondLst>
-                                            <p:cond delay="0"/>
-                                          </p:stCondLst>
-                                        </p:cTn>
-                                        <p:tgtEl>
-                                          <p:spTgt spid="315395">
-                                            <p:txEl>
-                                              <p:pRg st="4" end="4"/>
-                                            </p:txEl>
-                                          </p:spTgt>
-                                        </p:tgtEl>
-                                        <p:attrNameLst>
-                                          <p:attrName>style.visibility</p:attrName>
-                                        </p:attrNameLst>
-                                      </p:cBhvr>
-                                      <p:to>
-                                        <p:strVal val="visible"/>
-                                      </p:to>
-                                    </p:set>
-                                  </p:childTnLst>
-                                </p:cTn>
-                              </p:par>
-                              <p:par>
-                                <p:cTn id="15" presetID="1" presetClass="entr" presetSubtype="0" fill="hold" nodeType="withEffect">
-                                  <p:stCondLst>
-                                    <p:cond delay="0"/>
-                                  </p:stCondLst>
-                                  <p:childTnLst>
-                                    <p:set>
-                                      <p:cBhvr>
-                                        <p:cTn id="16" dur="1" fill="hold">
-                                          <p:stCondLst>
-                                            <p:cond delay="0"/>
-                                          </p:stCondLst>
-                                        </p:cTn>
-                                        <p:tgtEl>
-                                          <p:spTgt spid="315395">
-                                            <p:txEl>
-                                              <p:pRg st="5" end="5"/>
-                                            </p:txEl>
-                                          </p:spTgt>
-                                        </p:tgtEl>
-                                        <p:attrNameLst>
-                                          <p:attrName>style.visibility</p:attrName>
-                                        </p:attrNameLst>
-                                      </p:cBhvr>
-                                      <p:to>
-                                        <p:strVal val="visible"/>
-                                      </p:to>
-                                    </p:set>
-                                  </p:childTnLst>
-                                </p:cTn>
-                              </p:par>
-                            </p:childTnLst>
-                          </p:cTn>
-                        </p:par>
-                      </p:childTnLst>
-                    </p:cTn>
-                  </p:par>
-                  <p:par>
-                    <p:cTn id="17" fill="hold">
-                      <p:stCondLst>
-                        <p:cond delay="indefinite"/>
-                      </p:stCondLst>
-                      <p:childTnLst>
-                        <p:par>
-                          <p:cTn id="18" fill="hold">
-                            <p:stCondLst>
-                              <p:cond delay="0"/>
-                            </p:stCondLst>
-                            <p:childTnLst>
-                              <p:par>
-                                <p:cTn id="19" presetID="1" presetClass="entr" presetSubtype="0" fill="hold" nodeType="clickEffect">
-                                  <p:stCondLst>
-                                    <p:cond delay="0"/>
-                                  </p:stCondLst>
-                                  <p:childTnLst>
-                                    <p:set>
-                                      <p:cBhvr>
-                                        <p:cTn id="20" dur="1" fill="hold">
-                                          <p:stCondLst>
-                                            <p:cond delay="0"/>
-                                          </p:stCondLst>
-                                        </p:cTn>
-                                        <p:tgtEl>
-                                          <p:spTgt spid="315395">
-                                            <p:txEl>
-                                              <p:pRg st="7" end="7"/>
-                                            </p:txEl>
-                                          </p:spTgt>
-                                        </p:tgtEl>
-                                        <p:attrNameLst>
-                                          <p:attrName>style.visibility</p:attrName>
-                                        </p:attrNameLst>
-                                      </p:cBhvr>
-                                      <p:to>
-                                        <p:strVal val="visible"/>
-                                      </p:to>
-                                    </p:set>
-                                  </p:childTnLst>
-                                </p:cTn>
-                              </p:par>
-                              <p:par>
-                                <p:cTn id="21" presetID="1" presetClass="entr" presetSubtype="0" fill="hold" nodeType="withEffect">
-                                  <p:stCondLst>
-                                    <p:cond delay="0"/>
-                                  </p:stCondLst>
-                                  <p:childTnLst>
-                                    <p:set>
-                                      <p:cBhvr>
-                                        <p:cTn id="22" dur="1" fill="hold">
-                                          <p:stCondLst>
-                                            <p:cond delay="0"/>
-                                          </p:stCondLst>
-                                        </p:cTn>
-                                        <p:tgtEl>
-                                          <p:spTgt spid="315395">
-                                            <p:txEl>
-                                              <p:pRg st="8" end="8"/>
-                                            </p:txEl>
-                                          </p:spTgt>
-                                        </p:tgtEl>
-                                        <p:attrNameLst>
-                                          <p:attrName>style.visibility</p:attrName>
-                                        </p:attrNameLst>
-                                      </p:cBhvr>
-                                      <p:to>
-                                        <p:strVal val="visible"/>
-                                      </p:to>
-                                    </p:set>
-                                  </p:childTnLst>
-                                </p:cTn>
-                              </p:par>
-                            </p:childTnLst>
-                          </p:cTn>
-                        </p:par>
-                      </p:childTnLst>
-                    </p:cTn>
-                  </p:par>
-                </p:childTnLst>
-              </p:cTn>
-              <p:prevCondLst>
-                <p:cond evt="onPrev" delay="0">
-                  <p:tgtEl>
-                    <p:sldTgt/>
-                  </p:tgtEl>
-                </p:cond>
-              </p:prevCondLst>
-              <p:nextCondLst>
-                <p:cond evt="onNext" delay="0">
-                  <p:tgtEl>
-                    <p:sldTgt/>
-                  </p:tgtEl>
-                </p:cond>
-              </p:nextCondLst>
-            </p:seq>
-          </p:childTnLst>
-        </p:cTn>
-      </p:par>
-    </p:tnLst>
-  </p:timing>
-</p:sld>
-</file>
-
 <file path=ppt/slides/slide16.xml><?xml version="1.0" encoding="utf-8"?>
 <p:sld xmlns:a="http://schemas.openxmlformats.org/drawingml/2006/main" xmlns:r="http://schemas.openxmlformats.org/officeDocument/2006/relationships" xmlns:p="http://schemas.openxmlformats.org/presentationml/2006/main">
   <p:cSld>
@@ -7377,7 +7414,7 @@
           <a:p>
             <a:r>
               <a:rPr lang="en-US" dirty="0"/>
-              <a:t>Making change proof</a:t>
+              <a:t>Summary So Far</a:t>
             </a:r>
           </a:p>
         </p:txBody>
@@ -7423,7 +7460,41 @@
           <a:p>
             <a:r>
               <a:rPr lang="en-US" dirty="0"/>
-              <a:t>One methodology for proving correctness of greedy algorithms:</a:t>
+              <a:t>Done</a:t>
+            </a:r>
+          </a:p>
+          <a:p>
+            <a:pPr lvl="1"/>
+            <a:r>
+              <a:rPr lang="en-US" dirty="0"/>
+              <a:t>We’ve shown the </a:t>
+            </a:r>
+            <a:r>
+              <a:rPr lang="en-US" b="1" i="1" dirty="0"/>
+              <a:t>Coin Change Problem </a:t>
+            </a:r>
+            <a:r>
+              <a:rPr lang="en-US" dirty="0"/>
+              <a:t>has </a:t>
+            </a:r>
+            <a:r>
+              <a:rPr lang="en-US" b="1" i="1" dirty="0"/>
+              <a:t>Optimal Substructure</a:t>
+            </a:r>
+          </a:p>
+          <a:p>
+            <a:pPr lvl="1"/>
+            <a:r>
+              <a:rPr lang="en-US" dirty="0"/>
+              <a:t>We’ve presented a </a:t>
+            </a:r>
+            <a:r>
+              <a:rPr lang="en-US" b="1" i="1" dirty="0"/>
+              <a:t>Greedy Algorithm </a:t>
+            </a:r>
+            <a:r>
+              <a:rPr lang="en-US" dirty="0"/>
+              <a:t>that MIGHT solve it</a:t>
             </a:r>
           </a:p>
           <a:p>
@@ -7432,35 +7503,23 @@
           <a:p>
             <a:r>
               <a:rPr lang="en-US" dirty="0"/>
-              <a:t>A greedy algorithm is correct if the following hold:</a:t>
+              <a:t>Up Next:</a:t>
             </a:r>
           </a:p>
           <a:p>
             <a:pPr lvl="1"/>
             <a:r>
               <a:rPr lang="en-US" dirty="0"/>
-              <a:t>The problem has </a:t>
+              <a:t>Prove that the greedy algorithm is </a:t>
             </a:r>
             <a:r>
               <a:rPr lang="en-US" b="1" i="1" u="sng" dirty="0"/>
-              <a:t>optimal substructure</a:t>
-            </a:r>
-          </a:p>
-          <a:p>
-            <a:pPr lvl="1"/>
-            <a:r>
-              <a:rPr lang="en-US" dirty="0"/>
-              <a:t>The algorithm has the </a:t>
-            </a:r>
-            <a:r>
-              <a:rPr lang="en-US" b="1" i="1" u="sng" dirty="0"/>
-              <a:t>greedy choice property</a:t>
-            </a:r>
-            <a:r>
-              <a:rPr lang="en-US" dirty="0"/>
-              <a:t> (see next slide)</a:t>
-            </a:r>
-            <a:endParaRPr lang="en-US" b="1" i="1" u="sng" dirty="0"/>
+              <a:t>correct</a:t>
+            </a:r>
+            <a:r>
+              <a:rPr lang="en-US" dirty="0"/>
+              <a:t>.</a:t>
+            </a:r>
           </a:p>
         </p:txBody>
       </p:sp>
@@ -7557,7 +7616,34 @@
           <a:p>
             <a:r>
               <a:rPr lang="en-US" dirty="0"/>
-              <a:t>What is the </a:t>
+              <a:t>One methodology for proving correctness of greedy algorithms:</a:t>
+            </a:r>
+          </a:p>
+          <a:p>
+            <a:endParaRPr lang="en-US" dirty="0"/>
+          </a:p>
+          <a:p>
+            <a:r>
+              <a:rPr lang="en-US" dirty="0"/>
+              <a:t>A greedy algorithm is correct if the following hold:</a:t>
+            </a:r>
+          </a:p>
+          <a:p>
+            <a:pPr lvl="1"/>
+            <a:r>
+              <a:rPr lang="en-US" dirty="0"/>
+              <a:t>The problem has </a:t>
+            </a:r>
+            <a:r>
+              <a:rPr lang="en-US" b="1" i="1" u="sng" dirty="0"/>
+              <a:t>optimal substructure</a:t>
+            </a:r>
+          </a:p>
+          <a:p>
+            <a:pPr lvl="1"/>
+            <a:r>
+              <a:rPr lang="en-US" dirty="0"/>
+              <a:t>The algorithm has the </a:t>
             </a:r>
             <a:r>
               <a:rPr lang="en-US" b="1" i="1" u="sng" dirty="0"/>
@@ -7565,49 +7651,16 @@
             </a:r>
             <a:r>
               <a:rPr lang="en-US" dirty="0"/>
-              <a:t>?</a:t>
-            </a:r>
-          </a:p>
-          <a:p>
+              <a:t> (see next slide)</a:t>
+            </a:r>
             <a:endParaRPr lang="en-US" b="1" i="1" u="sng" dirty="0"/>
-          </a:p>
-          <a:p>
-            <a:r>
-              <a:rPr lang="en-US" dirty="0"/>
-              <a:t>Your algorithm makes some greedy choice and then continues</a:t>
-            </a:r>
-          </a:p>
-          <a:p>
-            <a:pPr lvl="1"/>
-            <a:r>
-              <a:rPr lang="en-US" dirty="0"/>
-              <a:t>e.g., choose largest coin, then continue</a:t>
-            </a:r>
-          </a:p>
-          <a:p>
-            <a:pPr lvl="1"/>
-            <a:endParaRPr lang="en-US" dirty="0"/>
-          </a:p>
-          <a:p>
-            <a:r>
-              <a:rPr lang="en-US" dirty="0"/>
-              <a:t>Prove that the </a:t>
-            </a:r>
-            <a:r>
-              <a:rPr lang="en-US" b="1" i="1" u="sng" dirty="0"/>
-              <a:t>one thing</a:t>
-            </a:r>
-            <a:r>
-              <a:rPr lang="en-US" dirty="0"/>
-              <a:t> the greedy algorithm selects MUST be in some optimal solution to the problem.</a:t>
-            </a:r>
           </a:p>
         </p:txBody>
       </p:sp>
     </p:spTree>
     <p:extLst>
       <p:ext uri="{BB962C8B-B14F-4D97-AF65-F5344CB8AC3E}">
-        <p14:creationId xmlns:p14="http://schemas.microsoft.com/office/powerpoint/2010/main" val="909705741"/>
+        <p14:creationId xmlns:p14="http://schemas.microsoft.com/office/powerpoint/2010/main" val="3107011697"/>
       </p:ext>
     </p:extLst>
   </p:cSld>
@@ -7675,6 +7728,254 @@
               <a:rPr lang="en-US" smtClean="0"/>
               <a:pPr/>
               <a:t>19</a:t>
+            </a:fld>
+            <a:endParaRPr lang="en-US"/>
+          </a:p>
+        </p:txBody>
+      </p:sp>
+      <p:sp>
+        <p:nvSpPr>
+          <p:cNvPr id="4" name="Content Placeholder 3"/>
+          <p:cNvSpPr>
+            <a:spLocks noGrp="1"/>
+          </p:cNvSpPr>
+          <p:nvPr>
+            <p:ph sz="quarter" idx="1"/>
+          </p:nvPr>
+        </p:nvSpPr>
+        <p:spPr/>
+        <p:txBody>
+          <a:bodyPr/>
+          <a:lstStyle/>
+          <a:p>
+            <a:r>
+              <a:rPr lang="en-US" dirty="0"/>
+              <a:t>What is the </a:t>
+            </a:r>
+            <a:r>
+              <a:rPr lang="en-US" b="1" i="1" u="sng" dirty="0"/>
+              <a:t>greedy choice property</a:t>
+            </a:r>
+            <a:r>
+              <a:rPr lang="en-US" dirty="0"/>
+              <a:t>?</a:t>
+            </a:r>
+          </a:p>
+          <a:p>
+            <a:endParaRPr lang="en-US" b="1" i="1" u="sng" dirty="0"/>
+          </a:p>
+          <a:p>
+            <a:r>
+              <a:rPr lang="en-US" dirty="0"/>
+              <a:t>Your algorithm makes some greedy choice and then continues</a:t>
+            </a:r>
+          </a:p>
+          <a:p>
+            <a:pPr lvl="1"/>
+            <a:r>
+              <a:rPr lang="en-US" dirty="0"/>
+              <a:t>e.g., choose largest coin, then continue</a:t>
+            </a:r>
+          </a:p>
+          <a:p>
+            <a:pPr lvl="1"/>
+            <a:endParaRPr lang="en-US" dirty="0"/>
+          </a:p>
+          <a:p>
+            <a:r>
+              <a:rPr lang="en-US" dirty="0"/>
+              <a:t>Prove that the </a:t>
+            </a:r>
+            <a:r>
+              <a:rPr lang="en-US" b="1" i="1" u="sng" dirty="0"/>
+              <a:t>one thing</a:t>
+            </a:r>
+            <a:r>
+              <a:rPr lang="en-US" dirty="0"/>
+              <a:t> the greedy algorithm selects MUST be in some optimal solution to the problem.</a:t>
+            </a:r>
+          </a:p>
+        </p:txBody>
+      </p:sp>
+    </p:spTree>
+    <p:extLst>
+      <p:ext uri="{BB962C8B-B14F-4D97-AF65-F5344CB8AC3E}">
+        <p14:creationId xmlns:p14="http://schemas.microsoft.com/office/powerpoint/2010/main" val="909705741"/>
+      </p:ext>
+    </p:extLst>
+  </p:cSld>
+  <p:clrMapOvr>
+    <a:masterClrMapping/>
+  </p:clrMapOvr>
+</p:sld>
+</file>
+
+<file path=ppt/slides/slide2.xml><?xml version="1.0" encoding="utf-8"?>
+<p:sld xmlns:a="http://schemas.openxmlformats.org/drawingml/2006/main" xmlns:r="http://schemas.openxmlformats.org/officeDocument/2006/relationships" xmlns:p="http://schemas.openxmlformats.org/presentationml/2006/main">
+  <p:cSld>
+    <p:spTree>
+      <p:nvGrpSpPr>
+        <p:cNvPr id="1" name=""/>
+        <p:cNvGrpSpPr/>
+        <p:nvPr/>
+      </p:nvGrpSpPr>
+      <p:grpSpPr>
+        <a:xfrm>
+          <a:off x="0" y="0"/>
+          <a:ext cx="0" cy="0"/>
+          <a:chOff x="0" y="0"/>
+          <a:chExt cx="0" cy="0"/>
+        </a:xfrm>
+      </p:grpSpPr>
+      <p:sp>
+        <p:nvSpPr>
+          <p:cNvPr id="2" name="Title 1"/>
+          <p:cNvSpPr>
+            <a:spLocks noGrp="1"/>
+          </p:cNvSpPr>
+          <p:nvPr>
+            <p:ph type="title"/>
+          </p:nvPr>
+        </p:nvSpPr>
+        <p:spPr/>
+        <p:txBody>
+          <a:bodyPr/>
+          <a:lstStyle/>
+          <a:p>
+            <a:r>
+              <a:rPr lang="en-US" dirty="0"/>
+              <a:t>CLRS Readings</a:t>
+            </a:r>
+          </a:p>
+        </p:txBody>
+      </p:sp>
+      <p:sp>
+        <p:nvSpPr>
+          <p:cNvPr id="3" name="Content Placeholder 2"/>
+          <p:cNvSpPr>
+            <a:spLocks noGrp="1"/>
+          </p:cNvSpPr>
+          <p:nvPr>
+            <p:ph idx="1"/>
+          </p:nvPr>
+        </p:nvSpPr>
+        <p:spPr/>
+        <p:txBody>
+          <a:bodyPr>
+            <a:normAutofit/>
+          </a:bodyPr>
+          <a:lstStyle/>
+          <a:p>
+            <a:r>
+              <a:rPr lang="en-US" dirty="0"/>
+              <a:t>Chapter 16, Greedy Algorithms</a:t>
+            </a:r>
+          </a:p>
+          <a:p>
+            <a:pPr marL="457200" lvl="1" indent="0">
+              <a:buNone/>
+            </a:pPr>
+            <a:endParaRPr lang="en-US" dirty="0"/>
+          </a:p>
+          <a:p>
+            <a:endParaRPr lang="en-US" dirty="0"/>
+          </a:p>
+        </p:txBody>
+      </p:sp>
+      <p:sp>
+        <p:nvSpPr>
+          <p:cNvPr id="4" name="Slide Number Placeholder 3"/>
+          <p:cNvSpPr>
+            <a:spLocks noGrp="1"/>
+          </p:cNvSpPr>
+          <p:nvPr>
+            <p:ph type="sldNum" sz="quarter" idx="12"/>
+          </p:nvPr>
+        </p:nvSpPr>
+        <p:spPr/>
+        <p:txBody>
+          <a:bodyPr/>
+          <a:lstStyle/>
+          <a:p>
+            <a:fld id="{86BADE50-950A-4D58-BFB2-FA2C6A8B385D}" type="slidenum">
+              <a:rPr lang="en-US" smtClean="0"/>
+              <a:t>2</a:t>
+            </a:fld>
+            <a:endParaRPr lang="en-US"/>
+          </a:p>
+        </p:txBody>
+      </p:sp>
+    </p:spTree>
+    <p:extLst>
+      <p:ext uri="{BB962C8B-B14F-4D97-AF65-F5344CB8AC3E}">
+        <p14:creationId xmlns:p14="http://schemas.microsoft.com/office/powerpoint/2010/main" val="246746974"/>
+      </p:ext>
+    </p:extLst>
+  </p:cSld>
+  <p:clrMapOvr>
+    <a:masterClrMapping/>
+  </p:clrMapOvr>
+</p:sld>
+</file>
+
+<file path=ppt/slides/slide20.xml><?xml version="1.0" encoding="utf-8"?>
+<p:sld xmlns:a="http://schemas.openxmlformats.org/drawingml/2006/main" xmlns:r="http://schemas.openxmlformats.org/officeDocument/2006/relationships" xmlns:p="http://schemas.openxmlformats.org/presentationml/2006/main">
+  <p:cSld>
+    <p:spTree>
+      <p:nvGrpSpPr>
+        <p:cNvPr id="1" name=""/>
+        <p:cNvGrpSpPr/>
+        <p:nvPr/>
+      </p:nvGrpSpPr>
+      <p:grpSpPr>
+        <a:xfrm>
+          <a:off x="0" y="0"/>
+          <a:ext cx="0" cy="0"/>
+          <a:chOff x="0" y="0"/>
+          <a:chExt cx="0" cy="0"/>
+        </a:xfrm>
+      </p:grpSpPr>
+      <p:sp>
+        <p:nvSpPr>
+          <p:cNvPr id="3" name="Title 2"/>
+          <p:cNvSpPr>
+            <a:spLocks noGrp="1"/>
+          </p:cNvSpPr>
+          <p:nvPr>
+            <p:ph type="title"/>
+          </p:nvPr>
+        </p:nvSpPr>
+        <p:spPr/>
+        <p:txBody>
+          <a:bodyPr/>
+          <a:lstStyle/>
+          <a:p>
+            <a:r>
+              <a:rPr lang="en-US" dirty="0"/>
+              <a:t>Making change proof</a:t>
+            </a:r>
+          </a:p>
+        </p:txBody>
+      </p:sp>
+      <p:sp>
+        <p:nvSpPr>
+          <p:cNvPr id="5" name="Slide Number Placeholder 4"/>
+          <p:cNvSpPr>
+            <a:spLocks noGrp="1"/>
+          </p:cNvSpPr>
+          <p:nvPr>
+            <p:ph type="sldNum" sz="quarter" idx="12"/>
+          </p:nvPr>
+        </p:nvSpPr>
+        <p:spPr/>
+        <p:txBody>
+          <a:bodyPr/>
+          <a:lstStyle/>
+          <a:p>
+            <a:fld id="{DACC1BBE-66B1-403A-8C7E-C57A0F3A107F}" type="slidenum">
+              <a:rPr lang="en-US" smtClean="0"/>
+              <a:pPr/>
+              <a:t>20</a:t>
             </a:fld>
             <a:endParaRPr lang="en-US"/>
           </a:p>
@@ -7819,277 +8120,6 @@
 </p:sld>
 </file>
 
-<file path=ppt/slides/slide2.xml><?xml version="1.0" encoding="utf-8"?>
-<p:sld xmlns:a="http://schemas.openxmlformats.org/drawingml/2006/main" xmlns:r="http://schemas.openxmlformats.org/officeDocument/2006/relationships" xmlns:p="http://schemas.openxmlformats.org/presentationml/2006/main">
-  <p:cSld>
-    <p:spTree>
-      <p:nvGrpSpPr>
-        <p:cNvPr id="1" name=""/>
-        <p:cNvGrpSpPr/>
-        <p:nvPr/>
-      </p:nvGrpSpPr>
-      <p:grpSpPr>
-        <a:xfrm>
-          <a:off x="0" y="0"/>
-          <a:ext cx="0" cy="0"/>
-          <a:chOff x="0" y="0"/>
-          <a:chExt cx="0" cy="0"/>
-        </a:xfrm>
-      </p:grpSpPr>
-      <p:sp>
-        <p:nvSpPr>
-          <p:cNvPr id="2" name="Title 1"/>
-          <p:cNvSpPr>
-            <a:spLocks noGrp="1"/>
-          </p:cNvSpPr>
-          <p:nvPr>
-            <p:ph type="title"/>
-          </p:nvPr>
-        </p:nvSpPr>
-        <p:spPr/>
-        <p:txBody>
-          <a:bodyPr/>
-          <a:lstStyle/>
-          <a:p>
-            <a:r>
-              <a:rPr lang="en-US" dirty="0"/>
-              <a:t>CLRS Readings</a:t>
-            </a:r>
-          </a:p>
-        </p:txBody>
-      </p:sp>
-      <p:sp>
-        <p:nvSpPr>
-          <p:cNvPr id="3" name="Content Placeholder 2"/>
-          <p:cNvSpPr>
-            <a:spLocks noGrp="1"/>
-          </p:cNvSpPr>
-          <p:nvPr>
-            <p:ph idx="1"/>
-          </p:nvPr>
-        </p:nvSpPr>
-        <p:spPr/>
-        <p:txBody>
-          <a:bodyPr>
-            <a:normAutofit/>
-          </a:bodyPr>
-          <a:lstStyle/>
-          <a:p>
-            <a:r>
-              <a:rPr lang="en-US" dirty="0"/>
-              <a:t>Chapter 16, Greedy Algorithms</a:t>
-            </a:r>
-          </a:p>
-          <a:p>
-            <a:pPr marL="457200" lvl="1" indent="0">
-              <a:buNone/>
-            </a:pPr>
-            <a:endParaRPr lang="en-US" dirty="0"/>
-          </a:p>
-          <a:p>
-            <a:endParaRPr lang="en-US" dirty="0"/>
-          </a:p>
-        </p:txBody>
-      </p:sp>
-      <p:sp>
-        <p:nvSpPr>
-          <p:cNvPr id="4" name="Slide Number Placeholder 3"/>
-          <p:cNvSpPr>
-            <a:spLocks noGrp="1"/>
-          </p:cNvSpPr>
-          <p:nvPr>
-            <p:ph type="sldNum" sz="quarter" idx="12"/>
-          </p:nvPr>
-        </p:nvSpPr>
-        <p:spPr/>
-        <p:txBody>
-          <a:bodyPr/>
-          <a:lstStyle/>
-          <a:p>
-            <a:fld id="{86BADE50-950A-4D58-BFB2-FA2C6A8B385D}" type="slidenum">
-              <a:rPr lang="en-US" smtClean="0"/>
-              <a:t>2</a:t>
-            </a:fld>
-            <a:endParaRPr lang="en-US"/>
-          </a:p>
-        </p:txBody>
-      </p:sp>
-    </p:spTree>
-    <p:extLst>
-      <p:ext uri="{BB962C8B-B14F-4D97-AF65-F5344CB8AC3E}">
-        <p14:creationId xmlns:p14="http://schemas.microsoft.com/office/powerpoint/2010/main" val="246746974"/>
-      </p:ext>
-    </p:extLst>
-  </p:cSld>
-  <p:clrMapOvr>
-    <a:masterClrMapping/>
-  </p:clrMapOvr>
-</p:sld>
-</file>
-
-<file path=ppt/slides/slide20.xml><?xml version="1.0" encoding="utf-8"?>
-<p:sld xmlns:a="http://schemas.openxmlformats.org/drawingml/2006/main" xmlns:r="http://schemas.openxmlformats.org/officeDocument/2006/relationships" xmlns:p="http://schemas.openxmlformats.org/presentationml/2006/main">
-  <p:cSld>
-    <p:spTree>
-      <p:nvGrpSpPr>
-        <p:cNvPr id="1" name=""/>
-        <p:cNvGrpSpPr/>
-        <p:nvPr/>
-      </p:nvGrpSpPr>
-      <p:grpSpPr>
-        <a:xfrm>
-          <a:off x="0" y="0"/>
-          <a:ext cx="0" cy="0"/>
-          <a:chOff x="0" y="0"/>
-          <a:chExt cx="0" cy="0"/>
-        </a:xfrm>
-      </p:grpSpPr>
-      <p:sp>
-        <p:nvSpPr>
-          <p:cNvPr id="8" name="Title 7"/>
-          <p:cNvSpPr>
-            <a:spLocks noGrp="1"/>
-          </p:cNvSpPr>
-          <p:nvPr>
-            <p:ph type="title"/>
-          </p:nvPr>
-        </p:nvSpPr>
-        <p:spPr/>
-        <p:txBody>
-          <a:bodyPr>
-            <a:normAutofit/>
-          </a:bodyPr>
-          <a:lstStyle/>
-          <a:p>
-            <a:r>
-              <a:rPr lang="en-US" dirty="0"/>
-              <a:t>Proof</a:t>
-            </a:r>
-          </a:p>
-        </p:txBody>
-      </p:sp>
-      <p:sp>
-        <p:nvSpPr>
-          <p:cNvPr id="3" name="Slide Number Placeholder 2"/>
-          <p:cNvSpPr>
-            <a:spLocks noGrp="1"/>
-          </p:cNvSpPr>
-          <p:nvPr>
-            <p:ph type="sldNum" sz="quarter" idx="12"/>
-          </p:nvPr>
-        </p:nvSpPr>
-        <p:spPr/>
-        <p:txBody>
-          <a:bodyPr/>
-          <a:lstStyle/>
-          <a:p>
-            <a:fld id="{DACC1BBE-66B1-403A-8C7E-C57A0F3A107F}" type="slidenum">
-              <a:rPr lang="en-US" smtClean="0"/>
-              <a:pPr/>
-              <a:t>20</a:t>
-            </a:fld>
-            <a:endParaRPr lang="en-US"/>
-          </a:p>
-        </p:txBody>
-      </p:sp>
-      <p:sp>
-        <p:nvSpPr>
-          <p:cNvPr id="6" name="Content Placeholder 5"/>
-          <p:cNvSpPr>
-            <a:spLocks noGrp="1"/>
-          </p:cNvSpPr>
-          <p:nvPr>
-            <p:ph sz="quarter" idx="1"/>
-          </p:nvPr>
-        </p:nvSpPr>
-        <p:spPr>
-          <a:xfrm>
-            <a:off x="578962" y="1905000"/>
-            <a:ext cx="10698637" cy="4343400"/>
-          </a:xfrm>
-        </p:spPr>
-        <p:txBody>
-          <a:bodyPr/>
-          <a:lstStyle/>
-          <a:p>
-            <a:pPr algn="l"/>
-            <a:r>
-              <a:rPr lang="en-US" dirty="0"/>
-              <a:t>Overview of proof:</a:t>
-            </a:r>
-          </a:p>
-          <a:p>
-            <a:pPr lvl="1"/>
-            <a:r>
-              <a:rPr lang="en-US" dirty="0"/>
-              <a:t>Assume largest coin NOT in some optimal solution</a:t>
-            </a:r>
-          </a:p>
-          <a:p>
-            <a:pPr lvl="1"/>
-            <a:r>
-              <a:rPr lang="en-US" dirty="0"/>
-              <a:t>Ok, some other coins must be in there instead.</a:t>
-            </a:r>
-          </a:p>
-          <a:p>
-            <a:pPr lvl="1"/>
-            <a:r>
-              <a:rPr lang="en-US" dirty="0"/>
-              <a:t>4 Cases:</a:t>
-            </a:r>
-          </a:p>
-          <a:p>
-            <a:pPr lvl="2"/>
-            <a:r>
-              <a:rPr lang="en-US" dirty="0"/>
-              <a:t>Largest coin that fits is penny (1 cent)	//this one is trivial though!</a:t>
-            </a:r>
-          </a:p>
-          <a:p>
-            <a:pPr lvl="2"/>
-            <a:r>
-              <a:rPr lang="en-US" dirty="0"/>
-              <a:t>Largest coin that fits is nickel (5 cent)</a:t>
-            </a:r>
-          </a:p>
-          <a:p>
-            <a:pPr lvl="2"/>
-            <a:r>
-              <a:rPr lang="en-US" dirty="0"/>
-              <a:t>Largest coin that fits is dime (10 cent)</a:t>
-            </a:r>
-          </a:p>
-          <a:p>
-            <a:pPr lvl="2"/>
-            <a:r>
-              <a:rPr lang="en-US" dirty="0"/>
-              <a:t>Largest coin that fits is quarter (25 cent)</a:t>
-            </a:r>
-          </a:p>
-          <a:p>
-            <a:pPr lvl="1"/>
-            <a:endParaRPr lang="en-US" dirty="0"/>
-          </a:p>
-          <a:p>
-            <a:pPr lvl="2"/>
-            <a:endParaRPr lang="en-US" dirty="0"/>
-          </a:p>
-        </p:txBody>
-      </p:sp>
-    </p:spTree>
-    <p:extLst>
-      <p:ext uri="{BB962C8B-B14F-4D97-AF65-F5344CB8AC3E}">
-        <p14:creationId xmlns:p14="http://schemas.microsoft.com/office/powerpoint/2010/main" val="170806382"/>
-      </p:ext>
-    </p:extLst>
-  </p:cSld>
-  <p:clrMapOvr>
-    <a:masterClrMapping/>
-  </p:clrMapOvr>
-</p:sld>
-</file>
-
 <file path=ppt/slides/slide21.xml><?xml version="1.0" encoding="utf-8"?>
 <p:sld xmlns:a="http://schemas.openxmlformats.org/drawingml/2006/main" xmlns:r="http://schemas.openxmlformats.org/officeDocument/2006/relationships" xmlns:p="http://schemas.openxmlformats.org/presentationml/2006/main">
   <p:cSld>
@@ -8172,28 +8202,69 @@
           </a:xfrm>
         </p:spPr>
         <p:txBody>
-          <a:bodyPr>
-            <a:normAutofit/>
-          </a:bodyPr>
-          <a:lstStyle/>
-          <a:p>
+          <a:bodyPr/>
+          <a:lstStyle/>
+          <a:p>
+            <a:pPr algn="l"/>
+            <a:r>
+              <a:rPr lang="en-US" dirty="0"/>
+              <a:t>Overview of proof:</a:t>
+            </a:r>
+          </a:p>
+          <a:p>
+            <a:pPr lvl="1"/>
+            <a:r>
+              <a:rPr lang="en-US" dirty="0"/>
+              <a:t>Assume largest coin NOT in some optimal solution</a:t>
+            </a:r>
+          </a:p>
+          <a:p>
+            <a:pPr lvl="1"/>
+            <a:r>
+              <a:rPr lang="en-US" dirty="0"/>
+              <a:t>Ok, some other coins must be in there instead.</a:t>
+            </a:r>
+          </a:p>
+          <a:p>
+            <a:pPr lvl="1"/>
+            <a:r>
+              <a:rPr lang="en-US" dirty="0"/>
+              <a:t>4 Cases:</a:t>
+            </a:r>
+          </a:p>
+          <a:p>
+            <a:pPr lvl="2"/>
             <a:r>
               <a:rPr lang="en-US" dirty="0"/>
               <a:t>Largest coin that fits is penny (1 cent)	//this one is trivial though!</a:t>
             </a:r>
           </a:p>
           <a:p>
-            <a:pPr lvl="1"/>
-            <a:r>
-              <a:rPr lang="en-US" dirty="0"/>
-              <a:t>means A &lt; 5</a:t>
-            </a:r>
-          </a:p>
-          <a:p>
-            <a:pPr lvl="1"/>
-            <a:r>
-              <a:rPr lang="en-US" dirty="0"/>
-              <a:t>Only penny fits, so penny must be in some optimal solution!</a:t>
+            <a:pPr lvl="2"/>
+            <a:r>
+              <a:rPr lang="en-US" dirty="0"/>
+              <a:t>Largest coin that fits is nickel (5 cent)</a:t>
+            </a:r>
+          </a:p>
+          <a:p>
+            <a:pPr lvl="2"/>
+            <a:r>
+              <a:rPr lang="en-US" dirty="0"/>
+              <a:t>Largest coin that fits is dime (10 cent)</a:t>
+            </a:r>
+          </a:p>
+          <a:p>
+            <a:pPr lvl="2"/>
+            <a:r>
+              <a:rPr lang="en-US" dirty="0"/>
+              <a:t>Largest coin that fits is quarter (25 cent)</a:t>
+            </a:r>
+          </a:p>
+          <a:p>
+            <a:pPr lvl="2"/>
+            <a:r>
+              <a:rPr lang="en-US" dirty="0"/>
+              <a:t>… and so on if more coins are available</a:t>
             </a:r>
           </a:p>
           <a:p>
@@ -8201,45 +8272,15 @@
             <a:endParaRPr lang="en-US" dirty="0"/>
           </a:p>
           <a:p>
-            <a:r>
-              <a:rPr lang="en-US" dirty="0"/>
-              <a:t>Largest coin that fits is nickel (5 cent)</a:t>
-            </a:r>
-          </a:p>
-          <a:p>
-            <a:pPr lvl="1"/>
-            <a:r>
-              <a:rPr lang="en-US" dirty="0"/>
-              <a:t>Assume nickel not in optimal solution. Note A &gt;= 5</a:t>
-            </a:r>
-          </a:p>
-          <a:p>
-            <a:pPr lvl="1"/>
-            <a:r>
-              <a:rPr lang="en-US" dirty="0"/>
-              <a:t>Pennies are only other option, so 5 or more pennies in optimal solution</a:t>
-            </a:r>
-          </a:p>
-          <a:p>
-            <a:pPr lvl="1"/>
-            <a:r>
-              <a:rPr lang="en-US" dirty="0"/>
-              <a:t>But I can swap out 5 of those pennies with a nickel</a:t>
-            </a:r>
-          </a:p>
-          <a:p>
             <a:pPr lvl="2"/>
-            <a:r>
-              <a:rPr lang="en-US" dirty="0"/>
-              <a:t>Solution decreases by 4 coins!! Contradiction!!</a:t>
-            </a:r>
+            <a:endParaRPr lang="en-US" dirty="0"/>
           </a:p>
         </p:txBody>
       </p:sp>
     </p:spTree>
     <p:extLst>
       <p:ext uri="{BB962C8B-B14F-4D97-AF65-F5344CB8AC3E}">
-        <p14:creationId xmlns:p14="http://schemas.microsoft.com/office/powerpoint/2010/main" val="1153949564"/>
+        <p14:creationId xmlns:p14="http://schemas.microsoft.com/office/powerpoint/2010/main" val="170806382"/>
       </p:ext>
     </p:extLst>
   </p:cSld>
@@ -8327,67 +8368,32 @@
         <p:spPr>
           <a:xfrm>
             <a:off x="578962" y="1905000"/>
-            <a:ext cx="10698637" cy="4648200"/>
+            <a:ext cx="10698637" cy="4343400"/>
           </a:xfrm>
         </p:spPr>
         <p:txBody>
           <a:bodyPr>
-            <a:normAutofit fontScale="92500" lnSpcReduction="10000"/>
+            <a:normAutofit/>
           </a:bodyPr>
           <a:lstStyle/>
           <a:p>
             <a:r>
               <a:rPr lang="en-US" dirty="0"/>
-              <a:t>Largest coin that fits is Dime (10 cent)</a:t>
+              <a:t>Largest coin that fits is penny (1 cent)	//this one is trivial though!</a:t>
             </a:r>
           </a:p>
           <a:p>
             <a:pPr lvl="1"/>
             <a:r>
               <a:rPr lang="en-US" dirty="0"/>
-              <a:t>Assume dime not in optimal solution. Note A &gt;= 10 and A &lt; 25</a:t>
+              <a:t>means A &lt; 5</a:t>
             </a:r>
           </a:p>
           <a:p>
             <a:pPr lvl="1"/>
             <a:r>
               <a:rPr lang="en-US" dirty="0"/>
-              <a:t>So the optimal solution contains:</a:t>
-            </a:r>
-          </a:p>
-          <a:p>
-            <a:pPr lvl="2"/>
-            <a:r>
-              <a:rPr lang="en-US" dirty="0"/>
-              <a:t>&gt;= 2 nickels, some number of pennies (might be 0)</a:t>
-            </a:r>
-          </a:p>
-          <a:p>
-            <a:pPr lvl="2"/>
-            <a:r>
-              <a:rPr lang="en-US" dirty="0"/>
-              <a:t>1 nickel, some pennies (at least 5)</a:t>
-            </a:r>
-          </a:p>
-          <a:p>
-            <a:pPr lvl="2"/>
-            <a:r>
-              <a:rPr lang="en-US" dirty="0"/>
-              <a:t>all pennies (more than 10)</a:t>
-            </a:r>
-          </a:p>
-          <a:p>
-            <a:pPr lvl="1"/>
-            <a:r>
-              <a:rPr lang="en-US" dirty="0"/>
-              <a:t>In each case above, I can swap a dime in for some combination of nickels or pennies</a:t>
-            </a:r>
-          </a:p>
-          <a:p>
-            <a:pPr lvl="2"/>
-            <a:r>
-              <a:rPr lang="en-US" dirty="0"/>
-              <a:t>Solution decreases by 1, 5, or 9 coins respectively. Contradiction!</a:t>
+              <a:t>Only penny fits, so penny must be in some optimal solution!</a:t>
             </a:r>
           </a:p>
           <a:p>
@@ -8397,33 +8403,43 @@
           <a:p>
             <a:r>
               <a:rPr lang="en-US" dirty="0"/>
-              <a:t>Largest coin that fits is quarter (25 cent)</a:t>
+              <a:t>Largest coin that fits is nickel (5 cent)</a:t>
             </a:r>
           </a:p>
           <a:p>
             <a:pPr lvl="1"/>
             <a:r>
               <a:rPr lang="en-US" dirty="0"/>
-              <a:t>Assume quarter not in optimal solution. Note A &gt;= 25</a:t>
+              <a:t>Assume nickel not in optimal solution. Note A &gt;= 5</a:t>
             </a:r>
           </a:p>
           <a:p>
             <a:pPr lvl="1"/>
             <a:r>
               <a:rPr lang="en-US" dirty="0"/>
-              <a:t>So the optimal solution contains:</a:t>
+              <a:t>Pennies are only other option, so 5 or more pennies in optimal solution</a:t>
+            </a:r>
+          </a:p>
+          <a:p>
+            <a:pPr lvl="1"/>
+            <a:r>
+              <a:rPr lang="en-US" dirty="0"/>
+              <a:t>But I can swap out 5 of those pennies with a nickel</a:t>
             </a:r>
           </a:p>
           <a:p>
             <a:pPr lvl="2"/>
-            <a:endParaRPr lang="en-US" dirty="0"/>
+            <a:r>
+              <a:rPr lang="en-US" dirty="0"/>
+              <a:t>Solution decreases by 4 coins!! Contradiction!!</a:t>
+            </a:r>
           </a:p>
         </p:txBody>
       </p:sp>
     </p:spTree>
     <p:extLst>
       <p:ext uri="{BB962C8B-B14F-4D97-AF65-F5344CB8AC3E}">
-        <p14:creationId xmlns:p14="http://schemas.microsoft.com/office/powerpoint/2010/main" val="2759379156"/>
+        <p14:creationId xmlns:p14="http://schemas.microsoft.com/office/powerpoint/2010/main" val="1153949564"/>
       </p:ext>
     </p:extLst>
   </p:cSld>
@@ -8522,6 +8538,65 @@
           <a:p>
             <a:r>
               <a:rPr lang="en-US" dirty="0"/>
+              <a:t>Largest coin that fits is Dime (10 cent)</a:t>
+            </a:r>
+          </a:p>
+          <a:p>
+            <a:pPr lvl="1"/>
+            <a:r>
+              <a:rPr lang="en-US" dirty="0"/>
+              <a:t>Assume dime not in optimal solution. Note A &gt;= 10 and A &lt; 25</a:t>
+            </a:r>
+          </a:p>
+          <a:p>
+            <a:pPr lvl="1"/>
+            <a:r>
+              <a:rPr lang="en-US" dirty="0"/>
+              <a:t>So the optimal solution contains one of the following:</a:t>
+            </a:r>
+          </a:p>
+          <a:p>
+            <a:pPr lvl="2"/>
+            <a:r>
+              <a:rPr lang="en-US" dirty="0"/>
+              <a:t>&gt;= 2 nickels, some number of pennies (might be 0)</a:t>
+            </a:r>
+          </a:p>
+          <a:p>
+            <a:pPr lvl="2"/>
+            <a:r>
+              <a:rPr lang="en-US" dirty="0"/>
+              <a:t>1 nickel, some pennies (at least 5)</a:t>
+            </a:r>
+          </a:p>
+          <a:p>
+            <a:pPr lvl="2"/>
+            <a:r>
+              <a:rPr lang="en-US" dirty="0"/>
+              <a:t>all pennies (more than 10)</a:t>
+            </a:r>
+          </a:p>
+          <a:p>
+            <a:pPr lvl="1"/>
+            <a:r>
+              <a:rPr lang="en-US" dirty="0"/>
+              <a:t>In each case above, I can swap a dime in for some combination of nickels or pennies</a:t>
+            </a:r>
+          </a:p>
+          <a:p>
+            <a:pPr lvl="2"/>
+            <a:r>
+              <a:rPr lang="en-US" dirty="0"/>
+              <a:t>Solution decreases by 1, 5, or 9 coins respectively. Contradiction!</a:t>
+            </a:r>
+          </a:p>
+          <a:p>
+            <a:pPr lvl="1"/>
+            <a:endParaRPr lang="en-US" dirty="0"/>
+          </a:p>
+          <a:p>
+            <a:r>
+              <a:rPr lang="en-US" dirty="0"/>
               <a:t>Largest coin that fits is quarter (25 cent)</a:t>
             </a:r>
           </a:p>
@@ -8541,72 +8616,14 @@
           </a:p>
           <a:p>
             <a:pPr lvl="2"/>
-            <a:r>
-              <a:rPr lang="en-US" dirty="0"/>
-              <a:t>2 dimes, 1 nickel, some pennies maybe</a:t>
-            </a:r>
-          </a:p>
-          <a:p>
-            <a:pPr lvl="2"/>
-            <a:r>
-              <a:rPr lang="en-US" dirty="0"/>
-              <a:t>2 dimes, 0 nickels, 5 or more pennies</a:t>
-            </a:r>
-          </a:p>
-          <a:p>
-            <a:pPr lvl="2"/>
-            <a:r>
-              <a:rPr lang="en-US" dirty="0"/>
-              <a:t>1 dime, 3 nickels, 0 or more pennies</a:t>
-            </a:r>
-          </a:p>
-          <a:p>
-            <a:pPr lvl="2"/>
-            <a:r>
-              <a:rPr lang="en-US" dirty="0"/>
-              <a:t>1 dime, 2 nickels, 5 or more pennies</a:t>
-            </a:r>
-          </a:p>
-          <a:p>
-            <a:pPr lvl="2"/>
-            <a:r>
-              <a:rPr lang="en-US" dirty="0"/>
-              <a:t>1 dime, 1 nickel, 10 or more pennies</a:t>
-            </a:r>
-          </a:p>
-          <a:p>
-            <a:pPr lvl="2"/>
-            <a:r>
-              <a:rPr lang="en-US" dirty="0"/>
-              <a:t>1 dime, 0 nickel, 15 or more pennies</a:t>
-            </a:r>
-          </a:p>
-          <a:p>
-            <a:pPr lvl="2"/>
-            <a:r>
-              <a:rPr lang="en-US" dirty="0"/>
-              <a:t>0 dime, 5 nickels, 0 or more pennies</a:t>
-            </a:r>
-          </a:p>
-          <a:p>
-            <a:pPr lvl="2"/>
-            <a:r>
-              <a:rPr lang="en-US" dirty="0"/>
-              <a:t>…</a:t>
-            </a:r>
-          </a:p>
-          <a:p>
-            <a:r>
-              <a:rPr lang="en-US" dirty="0"/>
-              <a:t>For each case above, a quarter can be swapped back in for more than 1 coin to make the solution better!! Contradiction!</a:t>
-            </a:r>
+            <a:endParaRPr lang="en-US" dirty="0"/>
           </a:p>
         </p:txBody>
       </p:sp>
     </p:spTree>
     <p:extLst>
       <p:ext uri="{BB962C8B-B14F-4D97-AF65-F5344CB8AC3E}">
-        <p14:creationId xmlns:p14="http://schemas.microsoft.com/office/powerpoint/2010/main" val="3664835001"/>
+        <p14:creationId xmlns:p14="http://schemas.microsoft.com/office/powerpoint/2010/main" val="2759379156"/>
       </p:ext>
     </p:extLst>
   </p:cSld>
@@ -8635,7 +8652,7 @@
       </p:grpSpPr>
       <p:sp>
         <p:nvSpPr>
-          <p:cNvPr id="2" name="Title 1"/>
+          <p:cNvPr id="8" name="Title 7"/>
           <p:cNvSpPr>
             <a:spLocks noGrp="1"/>
           </p:cNvSpPr>
@@ -8645,19 +8662,21 @@
         </p:nvSpPr>
         <p:spPr/>
         <p:txBody>
-          <a:bodyPr/>
-          <a:lstStyle/>
-          <a:p>
-            <a:r>
-              <a:rPr lang="en-US" dirty="0"/>
-              <a:t>How would a failed proof work?</a:t>
-            </a:r>
-          </a:p>
-        </p:txBody>
-      </p:sp>
-      <p:sp>
-        <p:nvSpPr>
-          <p:cNvPr id="4" name="Slide Number Placeholder 3"/>
+          <a:bodyPr>
+            <a:normAutofit/>
+          </a:bodyPr>
+          <a:lstStyle/>
+          <a:p>
+            <a:r>
+              <a:rPr lang="en-US" dirty="0"/>
+              <a:t>Proof</a:t>
+            </a:r>
+          </a:p>
+        </p:txBody>
+      </p:sp>
+      <p:sp>
+        <p:nvSpPr>
+          <p:cNvPr id="3" name="Slide Number Placeholder 2"/>
           <p:cNvSpPr>
             <a:spLocks noGrp="1"/>
           </p:cNvSpPr>
@@ -8681,7 +8700,7 @@
       </p:sp>
       <p:sp>
         <p:nvSpPr>
-          <p:cNvPr id="3" name="Content Placeholder 2"/>
+          <p:cNvPr id="6" name="Content Placeholder 5"/>
           <p:cNvSpPr>
             <a:spLocks noGrp="1"/>
           </p:cNvSpPr>
@@ -8689,60 +8708,105 @@
             <p:ph sz="quarter" idx="1"/>
           </p:nvPr>
         </p:nvSpPr>
-        <p:spPr/>
-        <p:txBody>
-          <a:bodyPr/>
-          <a:lstStyle/>
-          <a:p>
-            <a:r>
-              <a:rPr lang="en-US" dirty="0"/>
-              <a:t>Prove greedy choice property for denominations 1, </a:t>
-            </a:r>
-            <a:r>
-              <a:rPr lang="en-US" dirty="0">
-                <a:solidFill>
-                  <a:srgbClr val="FF0000"/>
-                </a:solidFill>
-              </a:rPr>
-              <a:t>6</a:t>
-            </a:r>
-            <a:r>
-              <a:rPr lang="en-US" dirty="0"/>
-              <a:t>, and 10</a:t>
-            </a:r>
-          </a:p>
-          <a:p>
-            <a:endParaRPr lang="en-US" dirty="0"/>
-          </a:p>
-          <a:p>
-            <a:r>
-              <a:rPr lang="en-US" dirty="0"/>
-              <a:t>This is going to fail because the algorithm doesn’t work. Let’s see it!</a:t>
+        <p:spPr>
+          <a:xfrm>
+            <a:off x="578962" y="1905000"/>
+            <a:ext cx="10698637" cy="4648200"/>
+          </a:xfrm>
+        </p:spPr>
+        <p:txBody>
+          <a:bodyPr>
+            <a:normAutofit fontScale="92500" lnSpcReduction="10000"/>
+          </a:bodyPr>
+          <a:lstStyle/>
+          <a:p>
+            <a:r>
+              <a:rPr lang="en-US" dirty="0"/>
+              <a:t>Largest coin that fits is quarter (25 cent)</a:t>
             </a:r>
           </a:p>
           <a:p>
             <a:pPr lvl="1"/>
             <a:r>
               <a:rPr lang="en-US" dirty="0"/>
-              <a:t>For A = 12, greedy outputs 10,1,1</a:t>
+              <a:t>Assume quarter not in optimal solution. Note A &gt;= 25</a:t>
             </a:r>
           </a:p>
           <a:p>
             <a:pPr lvl="1"/>
             <a:r>
               <a:rPr lang="en-US" dirty="0"/>
-              <a:t>Best answer is 6,6</a:t>
-            </a:r>
-          </a:p>
-          <a:p>
-            <a:endParaRPr lang="en-US" dirty="0"/>
+              <a:t>So the optimal solution contains:</a:t>
+            </a:r>
+          </a:p>
+          <a:p>
+            <a:pPr lvl="2"/>
+            <a:r>
+              <a:rPr lang="en-US" dirty="0"/>
+              <a:t>2 dimes, 1 nickel, some pennies maybe</a:t>
+            </a:r>
+          </a:p>
+          <a:p>
+            <a:pPr lvl="2"/>
+            <a:r>
+              <a:rPr lang="en-US" dirty="0"/>
+              <a:t>2 dimes, 0 nickels, 5 or more pennies</a:t>
+            </a:r>
+          </a:p>
+          <a:p>
+            <a:pPr lvl="2"/>
+            <a:r>
+              <a:rPr lang="en-US" dirty="0"/>
+              <a:t>1 dime, 3 nickels, 0 or more pennies</a:t>
+            </a:r>
+          </a:p>
+          <a:p>
+            <a:pPr lvl="2"/>
+            <a:r>
+              <a:rPr lang="en-US" dirty="0"/>
+              <a:t>1 dime, 2 nickels, 5 or more pennies</a:t>
+            </a:r>
+          </a:p>
+          <a:p>
+            <a:pPr lvl="2"/>
+            <a:r>
+              <a:rPr lang="en-US" dirty="0"/>
+              <a:t>1 dime, 1 nickel, 10 or more pennies</a:t>
+            </a:r>
+          </a:p>
+          <a:p>
+            <a:pPr lvl="2"/>
+            <a:r>
+              <a:rPr lang="en-US" dirty="0"/>
+              <a:t>1 dime, 0 nickel, 15 or more pennies</a:t>
+            </a:r>
+          </a:p>
+          <a:p>
+            <a:pPr lvl="2"/>
+            <a:r>
+              <a:rPr lang="en-US" dirty="0"/>
+              <a:t>0 dime, 5 nickels, 0 or more pennies</a:t>
+            </a:r>
+          </a:p>
+          <a:p>
+            <a:pPr lvl="2"/>
+            <a:r>
+              <a:rPr lang="en-US" dirty="0"/>
+              <a:t>…</a:t>
+            </a:r>
+          </a:p>
+          <a:p>
+            <a:r>
+              <a:rPr lang="en-US" dirty="0"/>
+              <a:t>For each case above, a quarter can be swapped back in for more than 1 coin to make the solution better!! Contradiction!</a:t>
+            </a:r>
           </a:p>
         </p:txBody>
       </p:sp>
     </p:spTree>
     <p:extLst>
       <p:ext uri="{BB962C8B-B14F-4D97-AF65-F5344CB8AC3E}">
-        <p14:creationId xmlns:p14="http://schemas.microsoft.com/office/powerpoint/2010/main" val="475345986"/>
+        <p14:creationId xmlns:p14="http://schemas.microsoft.com/office/powerpoint/2010/main" val="3664835001"/>
       </p:ext>
     </p:extLst>
   </p:cSld>
@@ -8825,6 +8889,142 @@
             <p:ph sz="quarter" idx="1"/>
           </p:nvPr>
         </p:nvSpPr>
+        <p:spPr/>
+        <p:txBody>
+          <a:bodyPr/>
+          <a:lstStyle/>
+          <a:p>
+            <a:r>
+              <a:rPr lang="en-US" dirty="0"/>
+              <a:t>Prove greedy choice property for denominations 1, </a:t>
+            </a:r>
+            <a:r>
+              <a:rPr lang="en-US" dirty="0">
+                <a:solidFill>
+                  <a:srgbClr val="FF0000"/>
+                </a:solidFill>
+              </a:rPr>
+              <a:t>6</a:t>
+            </a:r>
+            <a:r>
+              <a:rPr lang="en-US" dirty="0"/>
+              <a:t>, and 10</a:t>
+            </a:r>
+          </a:p>
+          <a:p>
+            <a:endParaRPr lang="en-US" dirty="0"/>
+          </a:p>
+          <a:p>
+            <a:r>
+              <a:rPr lang="en-US" dirty="0"/>
+              <a:t>This is going to fail because the algorithm doesn’t work. Let’s see it!</a:t>
+            </a:r>
+          </a:p>
+          <a:p>
+            <a:pPr lvl="1"/>
+            <a:r>
+              <a:rPr lang="en-US" dirty="0"/>
+              <a:t>For A = 12, greedy outputs 10,1,1</a:t>
+            </a:r>
+          </a:p>
+          <a:p>
+            <a:pPr lvl="1"/>
+            <a:r>
+              <a:rPr lang="en-US" dirty="0"/>
+              <a:t>Best answer is 6,6</a:t>
+            </a:r>
+          </a:p>
+          <a:p>
+            <a:endParaRPr lang="en-US" dirty="0"/>
+          </a:p>
+        </p:txBody>
+      </p:sp>
+    </p:spTree>
+    <p:extLst>
+      <p:ext uri="{BB962C8B-B14F-4D97-AF65-F5344CB8AC3E}">
+        <p14:creationId xmlns:p14="http://schemas.microsoft.com/office/powerpoint/2010/main" val="475345986"/>
+      </p:ext>
+    </p:extLst>
+  </p:cSld>
+  <p:clrMapOvr>
+    <a:masterClrMapping/>
+  </p:clrMapOvr>
+</p:sld>
+</file>
+
+<file path=ppt/slides/slide26.xml><?xml version="1.0" encoding="utf-8"?>
+<p:sld xmlns:a="http://schemas.openxmlformats.org/drawingml/2006/main" xmlns:r="http://schemas.openxmlformats.org/officeDocument/2006/relationships" xmlns:p="http://schemas.openxmlformats.org/presentationml/2006/main">
+  <p:cSld>
+    <p:spTree>
+      <p:nvGrpSpPr>
+        <p:cNvPr id="1" name=""/>
+        <p:cNvGrpSpPr/>
+        <p:nvPr/>
+      </p:nvGrpSpPr>
+      <p:grpSpPr>
+        <a:xfrm>
+          <a:off x="0" y="0"/>
+          <a:ext cx="0" cy="0"/>
+          <a:chOff x="0" y="0"/>
+          <a:chExt cx="0" cy="0"/>
+        </a:xfrm>
+      </p:grpSpPr>
+      <p:sp>
+        <p:nvSpPr>
+          <p:cNvPr id="2" name="Title 1"/>
+          <p:cNvSpPr>
+            <a:spLocks noGrp="1"/>
+          </p:cNvSpPr>
+          <p:nvPr>
+            <p:ph type="title"/>
+          </p:nvPr>
+        </p:nvSpPr>
+        <p:spPr/>
+        <p:txBody>
+          <a:bodyPr/>
+          <a:lstStyle/>
+          <a:p>
+            <a:r>
+              <a:rPr lang="en-US" dirty="0"/>
+              <a:t>How would a failed proof work?</a:t>
+            </a:r>
+          </a:p>
+        </p:txBody>
+      </p:sp>
+      <p:sp>
+        <p:nvSpPr>
+          <p:cNvPr id="4" name="Slide Number Placeholder 3"/>
+          <p:cNvSpPr>
+            <a:spLocks noGrp="1"/>
+          </p:cNvSpPr>
+          <p:nvPr>
+            <p:ph type="sldNum" sz="quarter" idx="12"/>
+          </p:nvPr>
+        </p:nvSpPr>
+        <p:spPr/>
+        <p:txBody>
+          <a:bodyPr/>
+          <a:lstStyle/>
+          <a:p>
+            <a:fld id="{DACC1BBE-66B1-403A-8C7E-C57A0F3A107F}" type="slidenum">
+              <a:rPr lang="en-US" smtClean="0"/>
+              <a:pPr/>
+              <a:t>26</a:t>
+            </a:fld>
+            <a:endParaRPr lang="en-US"/>
+          </a:p>
+        </p:txBody>
+      </p:sp>
+      <p:sp>
+        <p:nvSpPr>
+          <p:cNvPr id="3" name="Content Placeholder 2"/>
+          <p:cNvSpPr>
+            <a:spLocks noGrp="1"/>
+          </p:cNvSpPr>
+          <p:nvPr>
+            <p:ph sz="quarter" idx="1"/>
+          </p:nvPr>
+        </p:nvSpPr>
         <p:spPr>
           <a:xfrm>
             <a:off x="609600" y="1295400"/>
@@ -8857,7 +9057,7 @@
           <a:p>
             <a:pPr lvl="2"/>
             <a:r>
-              <a:rPr lang="en-US" dirty="0"/>
+              <a:rPr lang="en-US" b="1" i="1" dirty="0"/>
               <a:t>2 or more six-cent coins, pennies maybe (could be 0)</a:t>
             </a:r>
           </a:p>
@@ -10035,49 +10235,43 @@
             </p:custDataLst>
           </p:nvPr>
         </p:nvSpPr>
-        <p:spPr/>
+        <p:spPr>
+          <a:xfrm>
+            <a:off x="609600" y="1295400"/>
+            <a:ext cx="10972800" cy="5181600"/>
+          </a:xfrm>
+        </p:spPr>
         <p:txBody>
           <a:bodyPr>
-            <a:normAutofit fontScale="77500" lnSpcReduction="20000"/>
+            <a:normAutofit fontScale="92500" lnSpcReduction="10000"/>
           </a:bodyPr>
           <a:lstStyle/>
           <a:p>
             <a:r>
-              <a:rPr lang="en-US" dirty="0"/>
-              <a:t>The problem: </a:t>
-            </a:r>
-          </a:p>
-          <a:p>
-            <a:pPr lvl="1"/>
-            <a:r>
-              <a:rPr lang="en-US" dirty="0"/>
-              <a:t>Give back the right amount of change, and…</a:t>
-            </a:r>
-          </a:p>
-          <a:p>
-            <a:pPr lvl="1"/>
-            <a:r>
-              <a:rPr lang="en-US" dirty="0"/>
-              <a:t>Return the fewest number of coins!</a:t>
-            </a:r>
-          </a:p>
-          <a:p>
-            <a:r>
-              <a:rPr lang="en-US" dirty="0"/>
-              <a:t>Inputs: the dollar-amount to return</a:t>
-            </a:r>
-          </a:p>
-          <a:p>
-            <a:pPr lvl="1"/>
-            <a:r>
-              <a:rPr lang="en-US" dirty="0"/>
-              <a:t>Also, the set of possible coins. (Do we have half-dollars?  That affects the answer we give.)</a:t>
-            </a:r>
-          </a:p>
-          <a:p>
-            <a:r>
-              <a:rPr lang="en-US" dirty="0"/>
-              <a:t>Output: a set of coins</a:t>
+              <a:rPr lang="en-US" b="1" i="1" dirty="0"/>
+              <a:t>Inputs</a:t>
+            </a:r>
+            <a:r>
+              <a:rPr lang="en-US" dirty="0"/>
+              <a:t>: the dollar-amount </a:t>
+            </a:r>
+            <a:r>
+              <a:rPr lang="en-US" i="1" dirty="0"/>
+              <a:t>A</a:t>
+            </a:r>
+            <a:r>
+              <a:rPr lang="en-US" dirty="0"/>
+              <a:t> to return and set of coins </a:t>
+            </a:r>
+          </a:p>
+          <a:p>
+            <a:r>
+              <a:rPr lang="en-US" b="1" i="1" dirty="0"/>
+              <a:t>Output</a:t>
+            </a:r>
+            <a:r>
+              <a:rPr lang="en-US" dirty="0"/>
+              <a:t>: a set of coins</a:t>
             </a:r>
           </a:p>
           <a:p>
@@ -10085,28 +10279,44 @@
           </a:p>
           <a:p>
             <a:r>
-              <a:rPr lang="en-US" dirty="0"/>
-              <a:t>Note this problem statement is simply a transformation</a:t>
-            </a:r>
-          </a:p>
-          <a:p>
-            <a:pPr lvl="1"/>
-            <a:r>
-              <a:rPr lang="en-US" dirty="0"/>
-              <a:t>Given input, generate output with certain properties</a:t>
-            </a:r>
-          </a:p>
-          <a:p>
-            <a:pPr lvl="1"/>
-            <a:r>
-              <a:rPr lang="en-US" dirty="0"/>
-              <a:t>No statement about how to do it.</a:t>
-            </a:r>
-          </a:p>
-          <a:p>
-            <a:r>
-              <a:rPr lang="en-US" dirty="0"/>
-              <a:t>Can you describe the algorithm you use?</a:t>
+              <a:rPr lang="en-US" b="1" i="1" dirty="0"/>
+              <a:t>Feasible Solution</a:t>
+            </a:r>
+            <a:r>
+              <a:rPr lang="en-US" dirty="0"/>
+              <a:t>: Any set of coins that makes exactly A cents</a:t>
+            </a:r>
+          </a:p>
+          <a:p>
+            <a:r>
+              <a:rPr lang="en-US" b="1" i="1" dirty="0"/>
+              <a:t>Optimal Solution</a:t>
+            </a:r>
+            <a:r>
+              <a:rPr lang="en-US" dirty="0"/>
+              <a:t>: The feasible solution with fewest coins!</a:t>
+            </a:r>
+          </a:p>
+          <a:p>
+            <a:endParaRPr lang="en-US" dirty="0"/>
+          </a:p>
+          <a:p>
+            <a:r>
+              <a:rPr lang="en-US" b="1" i="1" dirty="0"/>
+              <a:t>Brute Force Algorithm</a:t>
+            </a:r>
+            <a:r>
+              <a:rPr lang="en-US" dirty="0"/>
+              <a:t>: Loop through all feasible solutions. How many are there?</a:t>
+            </a:r>
+          </a:p>
+          <a:p>
+            <a:endParaRPr lang="en-US" dirty="0"/>
+          </a:p>
+          <a:p>
+            <a:r>
+              <a:rPr lang="en-US" dirty="0"/>
+              <a:t>What is the algorithm we use here?</a:t>
             </a:r>
           </a:p>
         </p:txBody>
